--- a/NGS_workshop_31_01_2020_final.pptx
+++ b/NGS_workshop_31_01_2020_final.pptx
@@ -20577,13 +20577,28 @@
           </a:bodyPr>
           <a:lstStyle/>
           <a:p>
-            <a:pPr lvl="1">
+            <a:pPr>
               <a:buFont typeface="Wingdings" panose="05000000000000000000" pitchFamily="2" charset="2"/>
               <a:buChar char="Ø"/>
             </a:pPr>
-            <a:endParaRPr lang="en-GB" dirty="0">
-              <a:latin typeface="Garamond" panose="02020404030301010803" pitchFamily="18" charset="0"/>
-            </a:endParaRPr>
+            <a:r>
+              <a:rPr lang="en-GB" dirty="0">
+                <a:latin typeface="Garamond" panose="02020404030301010803" pitchFamily="18" charset="0"/>
+              </a:rPr>
+              <a:t>In </a:t>
+            </a:r>
+            <a:r>
+              <a:rPr lang="en-GB" dirty="0" err="1">
+                <a:latin typeface="Garamond" panose="02020404030301010803" pitchFamily="18" charset="0"/>
+              </a:rPr>
+              <a:t>MobaXterm</a:t>
+            </a:r>
+            <a:r>
+              <a:rPr lang="en-GB" dirty="0">
+                <a:latin typeface="Garamond" panose="02020404030301010803" pitchFamily="18" charset="0"/>
+              </a:rPr>
+              <a:t> </a:t>
+            </a:r>
           </a:p>
           <a:p>
             <a:pPr>
@@ -20603,61 +20618,52 @@
               <a:rPr lang="en-GB" dirty="0">
                 <a:latin typeface="Garamond" panose="02020404030301010803" pitchFamily="18" charset="0"/>
               </a:rPr>
-              <a:t>In </a:t>
-            </a:r>
-            <a:r>
-              <a:rPr lang="en-GB" dirty="0" err="1">
-                <a:latin typeface="Garamond" panose="02020404030301010803" pitchFamily="18" charset="0"/>
-              </a:rPr>
-              <a:t>MobaXterm</a:t>
-            </a:r>
+              <a:t>Type this at the terminal:</a:t>
+            </a:r>
+          </a:p>
+          <a:p>
+            <a:pPr marL="457200" lvl="1" indent="0">
+              <a:buNone/>
+            </a:pPr>
             <a:r>
               <a:rPr lang="en-GB" dirty="0">
                 <a:latin typeface="Garamond" panose="02020404030301010803" pitchFamily="18" charset="0"/>
               </a:rPr>
-              <a:t> </a:t>
-            </a:r>
+              <a:t>git clone </a:t>
+            </a:r>
+            <a:r>
+              <a:rPr lang="en-GB" dirty="0">
+                <a:latin typeface="Garamond" panose="02020404030301010803" pitchFamily="18" charset="0"/>
+                <a:hlinkClick r:id="rId2"/>
+              </a:rPr>
+              <a:t>https://github.com/sgul-genetics-centre-bioinformatics/NGS-bioinformatics-workshop_SGUL_31-01-2020.git</a:t>
+            </a:r>
+            <a:endParaRPr lang="en-GB" dirty="0">
+              <a:latin typeface="Garamond" panose="02020404030301010803" pitchFamily="18" charset="0"/>
+            </a:endParaRPr>
           </a:p>
           <a:p>
             <a:pPr>
               <a:buFont typeface="Wingdings" panose="05000000000000000000" pitchFamily="2" charset="2"/>
               <a:buChar char="Ø"/>
             </a:pPr>
-            <a:endParaRPr lang="en-GB" dirty="0">
-              <a:latin typeface="Garamond" panose="02020404030301010803" pitchFamily="18" charset="0"/>
-            </a:endParaRPr>
-          </a:p>
-          <a:p>
-            <a:pPr>
-              <a:buFont typeface="Wingdings" panose="05000000000000000000" pitchFamily="2" charset="2"/>
-              <a:buChar char="Ø"/>
-            </a:pPr>
             <a:r>
               <a:rPr lang="en-GB" dirty="0">
                 <a:latin typeface="Garamond" panose="02020404030301010803" pitchFamily="18" charset="0"/>
               </a:rPr>
-              <a:t>Type this at the terminal:</a:t>
-            </a:r>
-          </a:p>
-          <a:p>
-            <a:pPr marL="457200" lvl="1" indent="0">
+              <a:t>Wait for the directory to download and then move inside it:</a:t>
+            </a:r>
+          </a:p>
+          <a:p>
+            <a:pPr marL="0" indent="0">
               <a:buNone/>
             </a:pPr>
             <a:r>
-              <a:rPr lang="en-GB" dirty="0">
+              <a:rPr lang="en-GB" sz="2400" dirty="0">
                 <a:latin typeface="Garamond" panose="02020404030301010803" pitchFamily="18" charset="0"/>
               </a:rPr>
-              <a:t>git clone https://github.com/sgul-genetics-centre-bioinformatics/NGS-bioinformatics-workshop_SGUL_31-01-2020.git</a:t>
-            </a:r>
-          </a:p>
-          <a:p>
-            <a:pPr lvl="1">
-              <a:buFont typeface="Wingdings" panose="05000000000000000000" pitchFamily="2" charset="2"/>
-              <a:buChar char="Ø"/>
-            </a:pPr>
-            <a:endParaRPr lang="en-GB" dirty="0">
-              <a:latin typeface="Garamond" panose="02020404030301010803" pitchFamily="18" charset="0"/>
-            </a:endParaRPr>
+              <a:t>     cd NGS-bioinformatics-workshop_SGUL_31-01-2020</a:t>
+            </a:r>
           </a:p>
         </p:txBody>
       </p:sp>
@@ -20675,7 +20681,7 @@
         </p:nvSpPr>
         <p:spPr>
           <a:xfrm>
-            <a:off x="4711262" y="5611519"/>
+            <a:off x="4937780" y="6003142"/>
             <a:ext cx="7025623" cy="646331"/>
           </a:xfrm>
           <a:prstGeom prst="rect">

--- a/NGS_workshop_31_01_2020_final.pptx
+++ b/NGS_workshop_31_01_2020_final.pptx
@@ -4,6 +4,9 @@
   <p:sldMasterIdLst>
     <p:sldMasterId id="2147483648" r:id="rId1"/>
   </p:sldMasterIdLst>
+  <p:notesMasterIdLst>
+    <p:notesMasterId r:id="rId36"/>
+  </p:notesMasterIdLst>
   <p:sldIdLst>
     <p:sldId id="256" r:id="rId2"/>
     <p:sldId id="295" r:id="rId3"/>
@@ -145,6 +148,480 @@
 </p:presentation>
 </file>
 
+<file path=ppt/notesMasters/notesMaster1.xml><?xml version="1.0" encoding="utf-8"?>
+<p:notesMaster xmlns:a="http://schemas.openxmlformats.org/drawingml/2006/main" xmlns:r="http://schemas.openxmlformats.org/officeDocument/2006/relationships" xmlns:p="http://schemas.openxmlformats.org/presentationml/2006/main">
+  <p:cSld>
+    <p:bg>
+      <p:bgRef idx="1001">
+        <a:schemeClr val="bg1"/>
+      </p:bgRef>
+    </p:bg>
+    <p:spTree>
+      <p:nvGrpSpPr>
+        <p:cNvPr id="1" name=""/>
+        <p:cNvGrpSpPr/>
+        <p:nvPr/>
+      </p:nvGrpSpPr>
+      <p:grpSpPr>
+        <a:xfrm>
+          <a:off x="0" y="0"/>
+          <a:ext cx="0" cy="0"/>
+          <a:chOff x="0" y="0"/>
+          <a:chExt cx="0" cy="0"/>
+        </a:xfrm>
+      </p:grpSpPr>
+      <p:sp>
+        <p:nvSpPr>
+          <p:cNvPr id="2" name="Header Placeholder 1"/>
+          <p:cNvSpPr>
+            <a:spLocks noGrp="1"/>
+          </p:cNvSpPr>
+          <p:nvPr>
+            <p:ph type="hdr" sz="quarter"/>
+          </p:nvPr>
+        </p:nvSpPr>
+        <p:spPr>
+          <a:xfrm>
+            <a:off x="0" y="0"/>
+            <a:ext cx="2971800" cy="458788"/>
+          </a:xfrm>
+          <a:prstGeom prst="rect">
+            <a:avLst/>
+          </a:prstGeom>
+        </p:spPr>
+        <p:txBody>
+          <a:bodyPr vert="horz" lIns="91440" tIns="45720" rIns="91440" bIns="45720" rtlCol="0"/>
+          <a:lstStyle>
+            <a:lvl1pPr algn="l">
+              <a:defRPr sz="1200"/>
+            </a:lvl1pPr>
+          </a:lstStyle>
+          <a:p>
+            <a:endParaRPr lang="en-GB"/>
+          </a:p>
+        </p:txBody>
+      </p:sp>
+      <p:sp>
+        <p:nvSpPr>
+          <p:cNvPr id="3" name="Date Placeholder 2"/>
+          <p:cNvSpPr>
+            <a:spLocks noGrp="1"/>
+          </p:cNvSpPr>
+          <p:nvPr>
+            <p:ph type="dt" idx="1"/>
+          </p:nvPr>
+        </p:nvSpPr>
+        <p:spPr>
+          <a:xfrm>
+            <a:off x="3884613" y="0"/>
+            <a:ext cx="2971800" cy="458788"/>
+          </a:xfrm>
+          <a:prstGeom prst="rect">
+            <a:avLst/>
+          </a:prstGeom>
+        </p:spPr>
+        <p:txBody>
+          <a:bodyPr vert="horz" lIns="91440" tIns="45720" rIns="91440" bIns="45720" rtlCol="0"/>
+          <a:lstStyle>
+            <a:lvl1pPr algn="r">
+              <a:defRPr sz="1200"/>
+            </a:lvl1pPr>
+          </a:lstStyle>
+          <a:p>
+            <a:fld id="{78D32B3E-51FF-487E-9758-13C5AD810C2A}" type="datetimeFigureOut">
+              <a:rPr lang="en-GB" smtClean="0"/>
+              <a:t>31/01/2020</a:t>
+            </a:fld>
+            <a:endParaRPr lang="en-GB"/>
+          </a:p>
+        </p:txBody>
+      </p:sp>
+      <p:sp>
+        <p:nvSpPr>
+          <p:cNvPr id="4" name="Slide Image Placeholder 3"/>
+          <p:cNvSpPr>
+            <a:spLocks noGrp="1" noRot="1" noChangeAspect="1"/>
+          </p:cNvSpPr>
+          <p:nvPr>
+            <p:ph type="sldImg" idx="2"/>
+          </p:nvPr>
+        </p:nvSpPr>
+        <p:spPr>
+          <a:xfrm>
+            <a:off x="685800" y="1143000"/>
+            <a:ext cx="5486400" cy="3086100"/>
+          </a:xfrm>
+          <a:prstGeom prst="rect">
+            <a:avLst/>
+          </a:prstGeom>
+          <a:noFill/>
+          <a:ln w="12700">
+            <a:solidFill>
+              <a:prstClr val="black"/>
+            </a:solidFill>
+          </a:ln>
+        </p:spPr>
+        <p:txBody>
+          <a:bodyPr vert="horz" lIns="91440" tIns="45720" rIns="91440" bIns="45720" rtlCol="0" anchor="ctr"/>
+          <a:lstStyle/>
+          <a:p>
+            <a:endParaRPr lang="en-GB"/>
+          </a:p>
+        </p:txBody>
+      </p:sp>
+      <p:sp>
+        <p:nvSpPr>
+          <p:cNvPr id="5" name="Notes Placeholder 4"/>
+          <p:cNvSpPr>
+            <a:spLocks noGrp="1"/>
+          </p:cNvSpPr>
+          <p:nvPr>
+            <p:ph type="body" sz="quarter" idx="3"/>
+          </p:nvPr>
+        </p:nvSpPr>
+        <p:spPr>
+          <a:xfrm>
+            <a:off x="685800" y="4400550"/>
+            <a:ext cx="5486400" cy="3600450"/>
+          </a:xfrm>
+          <a:prstGeom prst="rect">
+            <a:avLst/>
+          </a:prstGeom>
+        </p:spPr>
+        <p:txBody>
+          <a:bodyPr vert="horz" lIns="91440" tIns="45720" rIns="91440" bIns="45720" rtlCol="0"/>
+          <a:lstStyle/>
+          <a:p>
+            <a:pPr lvl="0"/>
+            <a:r>
+              <a:rPr lang="en-US"/>
+              <a:t>Edit Master text styles</a:t>
+            </a:r>
+          </a:p>
+          <a:p>
+            <a:pPr lvl="1"/>
+            <a:r>
+              <a:rPr lang="en-US"/>
+              <a:t>Second level</a:t>
+            </a:r>
+          </a:p>
+          <a:p>
+            <a:pPr lvl="2"/>
+            <a:r>
+              <a:rPr lang="en-US"/>
+              <a:t>Third level</a:t>
+            </a:r>
+          </a:p>
+          <a:p>
+            <a:pPr lvl="3"/>
+            <a:r>
+              <a:rPr lang="en-US"/>
+              <a:t>Fourth level</a:t>
+            </a:r>
+          </a:p>
+          <a:p>
+            <a:pPr lvl="4"/>
+            <a:r>
+              <a:rPr lang="en-US"/>
+              <a:t>Fifth level</a:t>
+            </a:r>
+            <a:endParaRPr lang="en-GB"/>
+          </a:p>
+        </p:txBody>
+      </p:sp>
+      <p:sp>
+        <p:nvSpPr>
+          <p:cNvPr id="6" name="Footer Placeholder 5"/>
+          <p:cNvSpPr>
+            <a:spLocks noGrp="1"/>
+          </p:cNvSpPr>
+          <p:nvPr>
+            <p:ph type="ftr" sz="quarter" idx="4"/>
+          </p:nvPr>
+        </p:nvSpPr>
+        <p:spPr>
+          <a:xfrm>
+            <a:off x="0" y="8685213"/>
+            <a:ext cx="2971800" cy="458787"/>
+          </a:xfrm>
+          <a:prstGeom prst="rect">
+            <a:avLst/>
+          </a:prstGeom>
+        </p:spPr>
+        <p:txBody>
+          <a:bodyPr vert="horz" lIns="91440" tIns="45720" rIns="91440" bIns="45720" rtlCol="0" anchor="b"/>
+          <a:lstStyle>
+            <a:lvl1pPr algn="l">
+              <a:defRPr sz="1200"/>
+            </a:lvl1pPr>
+          </a:lstStyle>
+          <a:p>
+            <a:endParaRPr lang="en-GB"/>
+          </a:p>
+        </p:txBody>
+      </p:sp>
+      <p:sp>
+        <p:nvSpPr>
+          <p:cNvPr id="7" name="Slide Number Placeholder 6"/>
+          <p:cNvSpPr>
+            <a:spLocks noGrp="1"/>
+          </p:cNvSpPr>
+          <p:nvPr>
+            <p:ph type="sldNum" sz="quarter" idx="5"/>
+          </p:nvPr>
+        </p:nvSpPr>
+        <p:spPr>
+          <a:xfrm>
+            <a:off x="3884613" y="8685213"/>
+            <a:ext cx="2971800" cy="458787"/>
+          </a:xfrm>
+          <a:prstGeom prst="rect">
+            <a:avLst/>
+          </a:prstGeom>
+        </p:spPr>
+        <p:txBody>
+          <a:bodyPr vert="horz" lIns="91440" tIns="45720" rIns="91440" bIns="45720" rtlCol="0" anchor="b"/>
+          <a:lstStyle>
+            <a:lvl1pPr algn="r">
+              <a:defRPr sz="1200"/>
+            </a:lvl1pPr>
+          </a:lstStyle>
+          <a:p>
+            <a:fld id="{6768BB09-B59C-47D5-B427-692A7F45A170}" type="slidenum">
+              <a:rPr lang="en-GB" smtClean="0"/>
+              <a:t>‹#›</a:t>
+            </a:fld>
+            <a:endParaRPr lang="en-GB"/>
+          </a:p>
+        </p:txBody>
+      </p:sp>
+    </p:spTree>
+    <p:extLst>
+      <p:ext uri="{BB962C8B-B14F-4D97-AF65-F5344CB8AC3E}">
+        <p14:creationId xmlns:p14="http://schemas.microsoft.com/office/powerpoint/2010/main" val="1457109032"/>
+      </p:ext>
+    </p:extLst>
+  </p:cSld>
+  <p:clrMap bg1="lt1" tx1="dk1" bg2="lt2" tx2="dk2" accent1="accent1" accent2="accent2" accent3="accent3" accent4="accent4" accent5="accent5" accent6="accent6" hlink="hlink" folHlink="folHlink"/>
+  <p:notesStyle>
+    <a:lvl1pPr marL="0" algn="l" defTabSz="914400" rtl="0" eaLnBrk="1" latinLnBrk="0" hangingPunct="1">
+      <a:defRPr sz="1200" kern="1200">
+        <a:solidFill>
+          <a:schemeClr val="tx1"/>
+        </a:solidFill>
+        <a:latin typeface="+mn-lt"/>
+        <a:ea typeface="+mn-ea"/>
+        <a:cs typeface="+mn-cs"/>
+      </a:defRPr>
+    </a:lvl1pPr>
+    <a:lvl2pPr marL="457200" algn="l" defTabSz="914400" rtl="0" eaLnBrk="1" latinLnBrk="0" hangingPunct="1">
+      <a:defRPr sz="1200" kern="1200">
+        <a:solidFill>
+          <a:schemeClr val="tx1"/>
+        </a:solidFill>
+        <a:latin typeface="+mn-lt"/>
+        <a:ea typeface="+mn-ea"/>
+        <a:cs typeface="+mn-cs"/>
+      </a:defRPr>
+    </a:lvl2pPr>
+    <a:lvl3pPr marL="914400" algn="l" defTabSz="914400" rtl="0" eaLnBrk="1" latinLnBrk="0" hangingPunct="1">
+      <a:defRPr sz="1200" kern="1200">
+        <a:solidFill>
+          <a:schemeClr val="tx1"/>
+        </a:solidFill>
+        <a:latin typeface="+mn-lt"/>
+        <a:ea typeface="+mn-ea"/>
+        <a:cs typeface="+mn-cs"/>
+      </a:defRPr>
+    </a:lvl3pPr>
+    <a:lvl4pPr marL="1371600" algn="l" defTabSz="914400" rtl="0" eaLnBrk="1" latinLnBrk="0" hangingPunct="1">
+      <a:defRPr sz="1200" kern="1200">
+        <a:solidFill>
+          <a:schemeClr val="tx1"/>
+        </a:solidFill>
+        <a:latin typeface="+mn-lt"/>
+        <a:ea typeface="+mn-ea"/>
+        <a:cs typeface="+mn-cs"/>
+      </a:defRPr>
+    </a:lvl4pPr>
+    <a:lvl5pPr marL="1828800" algn="l" defTabSz="914400" rtl="0" eaLnBrk="1" latinLnBrk="0" hangingPunct="1">
+      <a:defRPr sz="1200" kern="1200">
+        <a:solidFill>
+          <a:schemeClr val="tx1"/>
+        </a:solidFill>
+        <a:latin typeface="+mn-lt"/>
+        <a:ea typeface="+mn-ea"/>
+        <a:cs typeface="+mn-cs"/>
+      </a:defRPr>
+    </a:lvl5pPr>
+    <a:lvl6pPr marL="2286000" algn="l" defTabSz="914400" rtl="0" eaLnBrk="1" latinLnBrk="0" hangingPunct="1">
+      <a:defRPr sz="1200" kern="1200">
+        <a:solidFill>
+          <a:schemeClr val="tx1"/>
+        </a:solidFill>
+        <a:latin typeface="+mn-lt"/>
+        <a:ea typeface="+mn-ea"/>
+        <a:cs typeface="+mn-cs"/>
+      </a:defRPr>
+    </a:lvl6pPr>
+    <a:lvl7pPr marL="2743200" algn="l" defTabSz="914400" rtl="0" eaLnBrk="1" latinLnBrk="0" hangingPunct="1">
+      <a:defRPr sz="1200" kern="1200">
+        <a:solidFill>
+          <a:schemeClr val="tx1"/>
+        </a:solidFill>
+        <a:latin typeface="+mn-lt"/>
+        <a:ea typeface="+mn-ea"/>
+        <a:cs typeface="+mn-cs"/>
+      </a:defRPr>
+    </a:lvl7pPr>
+    <a:lvl8pPr marL="3200400" algn="l" defTabSz="914400" rtl="0" eaLnBrk="1" latinLnBrk="0" hangingPunct="1">
+      <a:defRPr sz="1200" kern="1200">
+        <a:solidFill>
+          <a:schemeClr val="tx1"/>
+        </a:solidFill>
+        <a:latin typeface="+mn-lt"/>
+        <a:ea typeface="+mn-ea"/>
+        <a:cs typeface="+mn-cs"/>
+      </a:defRPr>
+    </a:lvl8pPr>
+    <a:lvl9pPr marL="3657600" algn="l" defTabSz="914400" rtl="0" eaLnBrk="1" latinLnBrk="0" hangingPunct="1">
+      <a:defRPr sz="1200" kern="1200">
+        <a:solidFill>
+          <a:schemeClr val="tx1"/>
+        </a:solidFill>
+        <a:latin typeface="+mn-lt"/>
+        <a:ea typeface="+mn-ea"/>
+        <a:cs typeface="+mn-cs"/>
+      </a:defRPr>
+    </a:lvl9pPr>
+  </p:notesStyle>
+</p:notesMaster>
+</file>
+
+<file path=ppt/notesSlides/notesSlide1.xml><?xml version="1.0" encoding="utf-8"?>
+<p:notes xmlns:a="http://schemas.openxmlformats.org/drawingml/2006/main" xmlns:r="http://schemas.openxmlformats.org/officeDocument/2006/relationships" xmlns:p="http://schemas.openxmlformats.org/presentationml/2006/main">
+  <p:cSld>
+    <p:spTree>
+      <p:nvGrpSpPr>
+        <p:cNvPr id="1" name=""/>
+        <p:cNvGrpSpPr/>
+        <p:nvPr/>
+      </p:nvGrpSpPr>
+      <p:grpSpPr>
+        <a:xfrm>
+          <a:off x="0" y="0"/>
+          <a:ext cx="0" cy="0"/>
+          <a:chOff x="0" y="0"/>
+          <a:chExt cx="0" cy="0"/>
+        </a:xfrm>
+      </p:grpSpPr>
+      <p:sp>
+        <p:nvSpPr>
+          <p:cNvPr id="2" name="Slide Image Placeholder 1"/>
+          <p:cNvSpPr>
+            <a:spLocks noGrp="1" noRot="1" noChangeAspect="1"/>
+          </p:cNvSpPr>
+          <p:nvPr>
+            <p:ph type="sldImg"/>
+          </p:nvPr>
+        </p:nvSpPr>
+        <p:spPr/>
+      </p:sp>
+      <p:sp>
+        <p:nvSpPr>
+          <p:cNvPr id="3" name="Notes Placeholder 2"/>
+          <p:cNvSpPr>
+            <a:spLocks noGrp="1"/>
+          </p:cNvSpPr>
+          <p:nvPr>
+            <p:ph type="body" idx="1"/>
+          </p:nvPr>
+        </p:nvSpPr>
+        <p:spPr/>
+        <p:txBody>
+          <a:bodyPr/>
+          <a:lstStyle/>
+          <a:p>
+            <a:r>
+              <a:rPr lang="en-GB" sz="1200" b="0" i="0" kern="1200" dirty="0">
+                <a:solidFill>
+                  <a:schemeClr val="tx1"/>
+                </a:solidFill>
+                <a:effectLst/>
+                <a:latin typeface="+mn-lt"/>
+                <a:ea typeface="+mn-ea"/>
+                <a:cs typeface="+mn-cs"/>
+              </a:rPr>
+              <a:t>The shell: is a program that takes commands from the keyboard and gives them to the operating system to perform.</a:t>
+            </a:r>
+          </a:p>
+          <a:p>
+            <a:r>
+              <a:rPr lang="en-GB" sz="1200" b="0" i="0" kern="1200" dirty="0">
+                <a:solidFill>
+                  <a:schemeClr val="tx1"/>
+                </a:solidFill>
+                <a:effectLst/>
+                <a:latin typeface="+mn-lt"/>
+                <a:ea typeface="+mn-ea"/>
+                <a:cs typeface="+mn-cs"/>
+              </a:rPr>
+              <a:t>Terminal: is a program that opens a window and lets you interact with the shell. </a:t>
+            </a:r>
+          </a:p>
+          <a:p>
+            <a:r>
+              <a:rPr lang="en-GB" sz="1200" b="0" i="0" kern="1200" dirty="0">
+                <a:solidFill>
+                  <a:schemeClr val="tx1"/>
+                </a:solidFill>
+                <a:effectLst/>
+                <a:latin typeface="+mn-lt"/>
+                <a:ea typeface="+mn-ea"/>
+                <a:cs typeface="+mn-cs"/>
+              </a:rPr>
+              <a:t>shell prompt: contains your user name and the name of the machine followed by a dollar sign</a:t>
+            </a:r>
+            <a:endParaRPr lang="en-GB" dirty="0"/>
+          </a:p>
+        </p:txBody>
+      </p:sp>
+      <p:sp>
+        <p:nvSpPr>
+          <p:cNvPr id="4" name="Slide Number Placeholder 3"/>
+          <p:cNvSpPr>
+            <a:spLocks noGrp="1"/>
+          </p:cNvSpPr>
+          <p:nvPr>
+            <p:ph type="sldNum" sz="quarter" idx="5"/>
+          </p:nvPr>
+        </p:nvSpPr>
+        <p:spPr/>
+        <p:txBody>
+          <a:bodyPr/>
+          <a:lstStyle/>
+          <a:p>
+            <a:fld id="{6768BB09-B59C-47D5-B427-692A7F45A170}" type="slidenum">
+              <a:rPr lang="en-GB" smtClean="0"/>
+              <a:t>11</a:t>
+            </a:fld>
+            <a:endParaRPr lang="en-GB"/>
+          </a:p>
+        </p:txBody>
+      </p:sp>
+    </p:spTree>
+    <p:extLst>
+      <p:ext uri="{BB962C8B-B14F-4D97-AF65-F5344CB8AC3E}">
+        <p14:creationId xmlns:p14="http://schemas.microsoft.com/office/powerpoint/2010/main" val="35080796"/>
+      </p:ext>
+    </p:extLst>
+  </p:cSld>
+  <p:clrMapOvr>
+    <a:masterClrMapping/>
+  </p:clrMapOvr>
+</p:notes>
+</file>
+
 <file path=ppt/slideLayouts/slideLayout1.xml><?xml version="1.0" encoding="utf-8"?>
 <p:sldLayout xmlns:a="http://schemas.openxmlformats.org/drawingml/2006/main" xmlns:r="http://schemas.openxmlformats.org/officeDocument/2006/relationships" xmlns:p="http://schemas.openxmlformats.org/presentationml/2006/main" type="title" preserve="1">
   <p:cSld name="Title Slide">
@@ -294,7 +771,7 @@
           <a:p>
             <a:fld id="{72D76B72-FBD1-40FE-86FD-ADE4662CF974}" type="datetimeFigureOut">
               <a:rPr lang="en-GB" smtClean="0"/>
-              <a:t>29/01/2020</a:t>
+              <a:t>31/01/2020</a:t>
             </a:fld>
             <a:endParaRPr lang="en-GB"/>
           </a:p>
@@ -494,7 +971,7 @@
           <a:p>
             <a:fld id="{72D76B72-FBD1-40FE-86FD-ADE4662CF974}" type="datetimeFigureOut">
               <a:rPr lang="en-GB" smtClean="0"/>
-              <a:t>29/01/2020</a:t>
+              <a:t>31/01/2020</a:t>
             </a:fld>
             <a:endParaRPr lang="en-GB"/>
           </a:p>
@@ -704,7 +1181,7 @@
           <a:p>
             <a:fld id="{72D76B72-FBD1-40FE-86FD-ADE4662CF974}" type="datetimeFigureOut">
               <a:rPr lang="en-GB" smtClean="0"/>
-              <a:t>29/01/2020</a:t>
+              <a:t>31/01/2020</a:t>
             </a:fld>
             <a:endParaRPr lang="en-GB"/>
           </a:p>
@@ -904,7 +1381,7 @@
           <a:p>
             <a:fld id="{72D76B72-FBD1-40FE-86FD-ADE4662CF974}" type="datetimeFigureOut">
               <a:rPr lang="en-GB" smtClean="0"/>
-              <a:t>29/01/2020</a:t>
+              <a:t>31/01/2020</a:t>
             </a:fld>
             <a:endParaRPr lang="en-GB"/>
           </a:p>
@@ -1180,7 +1657,7 @@
           <a:p>
             <a:fld id="{72D76B72-FBD1-40FE-86FD-ADE4662CF974}" type="datetimeFigureOut">
               <a:rPr lang="en-GB" smtClean="0"/>
-              <a:t>29/01/2020</a:t>
+              <a:t>31/01/2020</a:t>
             </a:fld>
             <a:endParaRPr lang="en-GB"/>
           </a:p>
@@ -1448,7 +1925,7 @@
           <a:p>
             <a:fld id="{72D76B72-FBD1-40FE-86FD-ADE4662CF974}" type="datetimeFigureOut">
               <a:rPr lang="en-GB" smtClean="0"/>
-              <a:t>29/01/2020</a:t>
+              <a:t>31/01/2020</a:t>
             </a:fld>
             <a:endParaRPr lang="en-GB"/>
           </a:p>
@@ -1863,7 +2340,7 @@
           <a:p>
             <a:fld id="{72D76B72-FBD1-40FE-86FD-ADE4662CF974}" type="datetimeFigureOut">
               <a:rPr lang="en-GB" smtClean="0"/>
-              <a:t>29/01/2020</a:t>
+              <a:t>31/01/2020</a:t>
             </a:fld>
             <a:endParaRPr lang="en-GB"/>
           </a:p>
@@ -2005,7 +2482,7 @@
           <a:p>
             <a:fld id="{72D76B72-FBD1-40FE-86FD-ADE4662CF974}" type="datetimeFigureOut">
               <a:rPr lang="en-GB" smtClean="0"/>
-              <a:t>29/01/2020</a:t>
+              <a:t>31/01/2020</a:t>
             </a:fld>
             <a:endParaRPr lang="en-GB"/>
           </a:p>
@@ -2118,7 +2595,7 @@
           <a:p>
             <a:fld id="{72D76B72-FBD1-40FE-86FD-ADE4662CF974}" type="datetimeFigureOut">
               <a:rPr lang="en-GB" smtClean="0"/>
-              <a:t>29/01/2020</a:t>
+              <a:t>31/01/2020</a:t>
             </a:fld>
             <a:endParaRPr lang="en-GB"/>
           </a:p>
@@ -2431,7 +2908,7 @@
           <a:p>
             <a:fld id="{72D76B72-FBD1-40FE-86FD-ADE4662CF974}" type="datetimeFigureOut">
               <a:rPr lang="en-GB" smtClean="0"/>
-              <a:t>29/01/2020</a:t>
+              <a:t>31/01/2020</a:t>
             </a:fld>
             <a:endParaRPr lang="en-GB"/>
           </a:p>
@@ -2720,7 +3197,7 @@
           <a:p>
             <a:fld id="{72D76B72-FBD1-40FE-86FD-ADE4662CF974}" type="datetimeFigureOut">
               <a:rPr lang="en-GB" smtClean="0"/>
-              <a:t>29/01/2020</a:t>
+              <a:t>31/01/2020</a:t>
             </a:fld>
             <a:endParaRPr lang="en-GB"/>
           </a:p>
@@ -2963,7 +3440,7 @@
           <a:p>
             <a:fld id="{72D76B72-FBD1-40FE-86FD-ADE4662CF974}" type="datetimeFigureOut">
               <a:rPr lang="en-GB" smtClean="0"/>
-              <a:t>29/01/2020</a:t>
+              <a:t>31/01/2020</a:t>
             </a:fld>
             <a:endParaRPr lang="en-GB"/>
           </a:p>
@@ -7941,6 +8418,60 @@
       </p:grpSpPr>
       <p:sp>
         <p:nvSpPr>
+          <p:cNvPr id="2" name="Rectangle 1">
+            <a:extLst>
+              <a:ext uri="{FF2B5EF4-FFF2-40B4-BE49-F238E27FC236}">
+                <a16:creationId xmlns:a16="http://schemas.microsoft.com/office/drawing/2014/main" id="{6E6A819A-47D6-4B9B-AE86-ED3B28DE7A62}"/>
+              </a:ext>
+            </a:extLst>
+          </p:cNvPr>
+          <p:cNvSpPr/>
+          <p:nvPr/>
+        </p:nvSpPr>
+        <p:spPr>
+          <a:xfrm>
+            <a:off x="636103" y="3546585"/>
+            <a:ext cx="10717697" cy="3156365"/>
+          </a:xfrm>
+          <a:prstGeom prst="rect">
+            <a:avLst/>
+          </a:prstGeom>
+          <a:solidFill>
+            <a:schemeClr val="bg1"/>
+          </a:solidFill>
+          <a:ln>
+            <a:solidFill>
+              <a:schemeClr val="tx1"/>
+            </a:solidFill>
+          </a:ln>
+        </p:spPr>
+        <p:style>
+          <a:lnRef idx="2">
+            <a:schemeClr val="accent1">
+              <a:shade val="50000"/>
+            </a:schemeClr>
+          </a:lnRef>
+          <a:fillRef idx="1">
+            <a:schemeClr val="accent1"/>
+          </a:fillRef>
+          <a:effectRef idx="0">
+            <a:schemeClr val="accent1"/>
+          </a:effectRef>
+          <a:fontRef idx="minor">
+            <a:schemeClr val="lt1"/>
+          </a:fontRef>
+        </p:style>
+        <p:txBody>
+          <a:bodyPr rtlCol="0" anchor="ctr"/>
+          <a:lstStyle/>
+          <a:p>
+            <a:pPr algn="ctr"/>
+            <a:endParaRPr lang="en-GB"/>
+          </a:p>
+        </p:txBody>
+      </p:sp>
+      <p:sp>
+        <p:nvSpPr>
           <p:cNvPr id="16" name="Rectangle 15">
             <a:extLst>
               <a:ext uri="{FF2B5EF4-FFF2-40B4-BE49-F238E27FC236}">
@@ -7954,7 +8485,7 @@
         <p:spPr>
           <a:xfrm>
             <a:off x="2753481" y="2710231"/>
-            <a:ext cx="6389891" cy="369332"/>
+            <a:ext cx="7782900" cy="369332"/>
           </a:xfrm>
           <a:prstGeom prst="rect">
             <a:avLst/>
@@ -7971,6 +8502,38 @@
                 <a:latin typeface="Consolas" panose="020B0609020204030204" pitchFamily="49" charset="0"/>
               </a:rPr>
               <a:t>[user@stats3 ~]$ </a:t>
+            </a:r>
+            <a:r>
+              <a:rPr lang="en-GB" dirty="0">
+                <a:solidFill>
+                  <a:srgbClr val="0070C0"/>
+                </a:solidFill>
+                <a:latin typeface="Consolas" panose="020B0609020204030204" pitchFamily="49" charset="0"/>
+              </a:rPr>
+              <a:t>command</a:t>
+            </a:r>
+            <a:r>
+              <a:rPr lang="en-GB" dirty="0">
+                <a:latin typeface="Consolas" panose="020B0609020204030204" pitchFamily="49" charset="0"/>
+              </a:rPr>
+              <a:t> </a:t>
+            </a:r>
+            <a:r>
+              <a:rPr lang="en-GB" dirty="0">
+                <a:solidFill>
+                  <a:schemeClr val="bg2">
+                    <a:lumMod val="75000"/>
+                  </a:schemeClr>
+                </a:solidFill>
+                <a:latin typeface="Consolas" panose="020B0609020204030204" pitchFamily="49" charset="0"/>
+              </a:rPr>
+              <a:t>or</a:t>
+            </a:r>
+            <a:r>
+              <a:rPr lang="en-GB" dirty="0">
+                <a:latin typeface="Consolas" panose="020B0609020204030204" pitchFamily="49" charset="0"/>
+              </a:rPr>
+              <a:t> </a:t>
             </a:r>
             <a:r>
               <a:rPr lang="en-GB" dirty="0">
@@ -8021,7 +8584,7 @@
           </a:prstGeom>
         </p:spPr>
         <p:txBody>
-          <a:bodyPr wrap="none">
+          <a:bodyPr wrap="square">
             <a:spAutoFit/>
           </a:bodyPr>
           <a:lstStyle/>
@@ -8046,7 +8609,7 @@
                 </a:solidFill>
                 <a:latin typeface="Consolas" panose="020B0609020204030204" pitchFamily="49" charset="0"/>
               </a:rPr>
-              <a:t>#Bash ignores everything that is written after the hash mark (#)</a:t>
+              <a:t>#Shell ignores everything that is written after the hash mark (#)</a:t>
             </a:r>
           </a:p>
           <a:p>
@@ -8139,14 +8702,17 @@
                 </a:solidFill>
                 <a:latin typeface="Consolas" panose="020B0609020204030204" pitchFamily="49" charset="0"/>
               </a:rPr>
-              <a:t> reference/</a:t>
-            </a:r>
-            <a:endParaRPr lang="en-GB" sz="1400" dirty="0">
-              <a:solidFill>
-                <a:srgbClr val="C00000"/>
-              </a:solidFill>
-              <a:latin typeface="Consolas" panose="020B0609020204030204" pitchFamily="49" charset="0"/>
-            </a:endParaRPr>
+              <a:t> </a:t>
+            </a:r>
+            <a:r>
+              <a:rPr lang="en-GB" sz="1400" dirty="0">
+                <a:solidFill>
+                  <a:srgbClr val="C00000"/>
+                </a:solidFill>
+                <a:latin typeface="Consolas" panose="020B0609020204030204" pitchFamily="49" charset="0"/>
+              </a:rPr>
+              <a:t>reference/</a:t>
+            </a:r>
           </a:p>
           <a:p>
             <a:pPr>
@@ -8464,8 +9030,8 @@
         </p:nvSpPr>
         <p:spPr>
           <a:xfrm>
-            <a:off x="3987830" y="1813322"/>
-            <a:ext cx="1705221" cy="577081"/>
+            <a:off x="3987830" y="1716162"/>
+            <a:ext cx="1705221" cy="738664"/>
           </a:xfrm>
           <a:prstGeom prst="rect">
             <a:avLst/>
@@ -8486,7 +9052,7 @@
             <a:pPr algn="just"/>
             <a:r>
               <a:rPr lang="en-GB" sz="1050" dirty="0"/>
-              <a:t>This is where you specify which application you want to run and where it is.</a:t>
+              <a:t>This is where you specify which command/application you want to run and where it is.</a:t>
             </a:r>
           </a:p>
         </p:txBody>
@@ -8507,7 +9073,7 @@
         </p:nvCxnSpPr>
         <p:spPr>
           <a:xfrm flipV="1">
-            <a:off x="8292093" y="2144928"/>
+            <a:off x="9312277" y="2136523"/>
             <a:ext cx="0" cy="602373"/>
           </a:xfrm>
           <a:prstGeom prst="line">
@@ -8548,7 +9114,7 @@
         </p:nvCxnSpPr>
         <p:spPr>
           <a:xfrm flipH="1">
-            <a:off x="8292095" y="2140811"/>
+            <a:off x="9312279" y="2132406"/>
             <a:ext cx="502508" cy="0"/>
           </a:xfrm>
           <a:prstGeom prst="line">
@@ -8589,7 +9155,7 @@
         </p:nvSpPr>
         <p:spPr>
           <a:xfrm>
-            <a:off x="8794603" y="1690688"/>
+            <a:off x="9814787" y="1682283"/>
             <a:ext cx="1892639" cy="900246"/>
           </a:xfrm>
           <a:prstGeom prst="rect">
@@ -8644,7 +9210,7 @@
         </p:nvSpPr>
         <p:spPr>
           <a:xfrm>
-            <a:off x="4585301" y="3240669"/>
+            <a:off x="4598094" y="3106258"/>
             <a:ext cx="2793714" cy="338554"/>
           </a:xfrm>
           <a:prstGeom prst="rect">
@@ -8769,6 +9335,162 @@
           </a:p>
         </p:txBody>
       </p:sp>
+      <p:sp>
+        <p:nvSpPr>
+          <p:cNvPr id="4" name="TextBox 3">
+            <a:extLst>
+              <a:ext uri="{FF2B5EF4-FFF2-40B4-BE49-F238E27FC236}">
+                <a16:creationId xmlns:a16="http://schemas.microsoft.com/office/drawing/2014/main" id="{ADC7ADD7-5BE1-4EC0-BD94-06C60FDB0381}"/>
+              </a:ext>
+            </a:extLst>
+          </p:cNvPr>
+          <p:cNvSpPr txBox="1"/>
+          <p:nvPr/>
+        </p:nvSpPr>
+        <p:spPr>
+          <a:xfrm>
+            <a:off x="389026" y="2110968"/>
+            <a:ext cx="994503" cy="369332"/>
+          </a:xfrm>
+          <a:prstGeom prst="rect">
+            <a:avLst/>
+          </a:prstGeom>
+          <a:noFill/>
+        </p:spPr>
+        <p:txBody>
+          <a:bodyPr wrap="none" rtlCol="0">
+            <a:spAutoFit/>
+          </a:bodyPr>
+          <a:lstStyle/>
+          <a:p>
+            <a:r>
+              <a:rPr lang="en-GB" dirty="0"/>
+              <a:t>Terminal</a:t>
+            </a:r>
+          </a:p>
+        </p:txBody>
+      </p:sp>
+      <p:cxnSp>
+        <p:nvCxnSpPr>
+          <p:cNvPr id="6" name="Straight Arrow Connector 5">
+            <a:extLst>
+              <a:ext uri="{FF2B5EF4-FFF2-40B4-BE49-F238E27FC236}">
+                <a16:creationId xmlns:a16="http://schemas.microsoft.com/office/drawing/2014/main" id="{B684800F-1CF6-46F3-9D52-DF6BE8644206}"/>
+              </a:ext>
+            </a:extLst>
+          </p:cNvPr>
+          <p:cNvCxnSpPr>
+            <a:stCxn id="4" idx="2"/>
+          </p:cNvCxnSpPr>
+          <p:nvPr/>
+        </p:nvCxnSpPr>
+        <p:spPr>
+          <a:xfrm>
+            <a:off x="886278" y="2480300"/>
+            <a:ext cx="743739" cy="795235"/>
+          </a:xfrm>
+          <a:prstGeom prst="straightConnector1">
+            <a:avLst/>
+          </a:prstGeom>
+          <a:ln>
+            <a:solidFill>
+              <a:schemeClr val="tx1"/>
+            </a:solidFill>
+            <a:tailEnd type="triangle"/>
+          </a:ln>
+        </p:spPr>
+        <p:style>
+          <a:lnRef idx="1">
+            <a:schemeClr val="accent1"/>
+          </a:lnRef>
+          <a:fillRef idx="0">
+            <a:schemeClr val="accent1"/>
+          </a:fillRef>
+          <a:effectRef idx="0">
+            <a:schemeClr val="accent1"/>
+          </a:effectRef>
+          <a:fontRef idx="minor">
+            <a:schemeClr val="tx1"/>
+          </a:fontRef>
+        </p:style>
+      </p:cxnSp>
+      <p:sp>
+        <p:nvSpPr>
+          <p:cNvPr id="7" name="TextBox 6">
+            <a:extLst>
+              <a:ext uri="{FF2B5EF4-FFF2-40B4-BE49-F238E27FC236}">
+                <a16:creationId xmlns:a16="http://schemas.microsoft.com/office/drawing/2014/main" id="{F6F17C6F-3C62-45DD-AFE4-6DC1F19889B8}"/>
+              </a:ext>
+            </a:extLst>
+          </p:cNvPr>
+          <p:cNvSpPr txBox="1"/>
+          <p:nvPr/>
+        </p:nvSpPr>
+        <p:spPr>
+          <a:xfrm>
+            <a:off x="10988968" y="2822507"/>
+            <a:ext cx="633507" cy="369332"/>
+          </a:xfrm>
+          <a:prstGeom prst="rect">
+            <a:avLst/>
+          </a:prstGeom>
+          <a:noFill/>
+        </p:spPr>
+        <p:txBody>
+          <a:bodyPr wrap="none" rtlCol="0">
+            <a:spAutoFit/>
+          </a:bodyPr>
+          <a:lstStyle/>
+          <a:p>
+            <a:r>
+              <a:rPr lang="en-GB" dirty="0"/>
+              <a:t>Shell</a:t>
+            </a:r>
+          </a:p>
+        </p:txBody>
+      </p:sp>
+      <p:cxnSp>
+        <p:nvCxnSpPr>
+          <p:cNvPr id="9" name="Straight Arrow Connector 8">
+            <a:extLst>
+              <a:ext uri="{FF2B5EF4-FFF2-40B4-BE49-F238E27FC236}">
+                <a16:creationId xmlns:a16="http://schemas.microsoft.com/office/drawing/2014/main" id="{E5410296-0BB3-4BF3-A116-0438532ED128}"/>
+              </a:ext>
+            </a:extLst>
+          </p:cNvPr>
+          <p:cNvCxnSpPr/>
+          <p:nvPr/>
+        </p:nvCxnSpPr>
+        <p:spPr>
+          <a:xfrm flipH="1">
+            <a:off x="9994790" y="3226394"/>
+            <a:ext cx="1001864" cy="963943"/>
+          </a:xfrm>
+          <a:prstGeom prst="straightConnector1">
+            <a:avLst/>
+          </a:prstGeom>
+          <a:ln>
+            <a:solidFill>
+              <a:schemeClr val="tx1"/>
+            </a:solidFill>
+            <a:tailEnd type="triangle"/>
+          </a:ln>
+        </p:spPr>
+        <p:style>
+          <a:lnRef idx="1">
+            <a:schemeClr val="accent1"/>
+          </a:lnRef>
+          <a:fillRef idx="0">
+            <a:schemeClr val="accent1"/>
+          </a:fillRef>
+          <a:effectRef idx="0">
+            <a:schemeClr val="accent1"/>
+          </a:effectRef>
+          <a:fontRef idx="minor">
+            <a:schemeClr val="tx1"/>
+          </a:fontRef>
+        </p:style>
+      </p:cxnSp>
     </p:spTree>
     <p:extLst>
       <p:ext uri="{BB962C8B-B14F-4D97-AF65-F5344CB8AC3E}">
@@ -8783,7 +9505,7 @@
 </file>
 
 <file path=ppt/slides/slide12.xml><?xml version="1.0" encoding="utf-8"?>
-<p:sld xmlns:a="http://schemas.openxmlformats.org/drawingml/2006/main" xmlns:r="http://schemas.openxmlformats.org/officeDocument/2006/relationships" xmlns:p="http://schemas.openxmlformats.org/presentationml/2006/main">
+<p:sld xmlns:a="http://schemas.openxmlformats.org/drawingml/2006/main" xmlns:r="http://schemas.openxmlformats.org/officeDocument/2006/relationships" xmlns:p="http://schemas.openxmlformats.org/presentationml/2006/main" show="0">
   <p:cSld>
     <p:spTree>
       <p:nvGrpSpPr>
@@ -11770,7 +12492,7 @@
               <a:rPr lang="en-GB" sz="1800" dirty="0">
                 <a:latin typeface="Consolas" panose="020B0609020204030204" pitchFamily="49" charset="0"/>
               </a:rPr>
-              <a:t>–n 12 sample1_r1.fasta</a:t>
+              <a:t>–n 12 sample1_r1.fastq</a:t>
             </a:r>
           </a:p>
         </p:txBody>
@@ -13510,7 +14232,7 @@
               <a:rPr lang="en-GB" sz="1800" dirty="0">
                 <a:latin typeface="Consolas" panose="020B0609020204030204" pitchFamily="49" charset="0"/>
               </a:rPr>
-              <a:t> sample1_r1.fastq -I sample1_r2.fastq -o sample1_out.R1.fq.gz –O \ 	sample1_out.R2.fq.gz --html \</a:t>
+              <a:t> sample1_r1.fastq -I sample1_r2.fastq -o sample1_out.R1.fq.gz \ 	-O sample1_out.R2.fq.gz --html sample1_results.html \</a:t>
             </a:r>
           </a:p>
           <a:p>
@@ -13524,7 +14246,7 @@
               <a:rPr lang="en-GB" sz="1800" dirty="0">
                 <a:latin typeface="Consolas" panose="020B0609020204030204" pitchFamily="49" charset="0"/>
               </a:rPr>
-              <a:t>	sample1_results.html --json sample1_results.json --</a:t>
+              <a:t>	--json sample1_results.json --</a:t>
             </a:r>
             <a:r>
               <a:rPr lang="en-GB" sz="1800" dirty="0" err="1">
@@ -13591,7 +14313,7 @@
         </p:nvSpPr>
         <p:spPr>
           <a:xfrm>
-            <a:off x="3947564" y="3568114"/>
+            <a:off x="4520058" y="3202103"/>
             <a:ext cx="3397469" cy="400110"/>
           </a:xfrm>
           <a:prstGeom prst="rect">
@@ -13609,7 +14331,7 @@
               <a:rPr lang="en-GB" sz="2000" dirty="0">
                 <a:latin typeface="Garamond" panose="02020404030301010803" pitchFamily="18" charset="0"/>
               </a:rPr>
-              <a:t>This steps achieves 2 main goals</a:t>
+              <a:t>This step achieves 2 main goals</a:t>
             </a:r>
           </a:p>
         </p:txBody>
@@ -13628,7 +14350,7 @@
         </p:nvSpPr>
         <p:spPr>
           <a:xfrm>
-            <a:off x="842142" y="5119479"/>
+            <a:off x="6556969" y="3796441"/>
             <a:ext cx="4609706" cy="646331"/>
           </a:xfrm>
           <a:prstGeom prst="rect">
@@ -13666,7 +14388,7 @@
         </p:nvSpPr>
         <p:spPr>
           <a:xfrm>
-            <a:off x="6688297" y="4562597"/>
+            <a:off x="1271271" y="3773181"/>
             <a:ext cx="4947520" cy="1669688"/>
           </a:xfrm>
           <a:prstGeom prst="rect">
@@ -13729,55 +14451,15 @@
             </a:extLst>
           </p:cNvPr>
           <p:cNvCxnSpPr>
+            <a:cxnSpLocks/>
             <a:stCxn id="9" idx="2"/>
           </p:cNvCxnSpPr>
           <p:nvPr/>
         </p:nvCxnSpPr>
         <p:spPr>
           <a:xfrm flipH="1">
-            <a:off x="3497344" y="3968224"/>
-            <a:ext cx="2148955" cy="443520"/>
-          </a:xfrm>
-          <a:prstGeom prst="straightConnector1">
-            <a:avLst/>
-          </a:prstGeom>
-          <a:ln>
-            <a:tailEnd type="triangle"/>
-          </a:ln>
-        </p:spPr>
-        <p:style>
-          <a:lnRef idx="1">
-            <a:schemeClr val="accent1"/>
-          </a:lnRef>
-          <a:fillRef idx="0">
-            <a:schemeClr val="accent1"/>
-          </a:fillRef>
-          <a:effectRef idx="0">
-            <a:schemeClr val="accent1"/>
-          </a:effectRef>
-          <a:fontRef idx="minor">
-            <a:schemeClr val="tx1"/>
-          </a:fontRef>
-        </p:style>
-      </p:cxnSp>
-      <p:cxnSp>
-        <p:nvCxnSpPr>
-          <p:cNvPr id="28" name="Straight Arrow Connector 27">
-            <a:extLst>
-              <a:ext uri="{FF2B5EF4-FFF2-40B4-BE49-F238E27FC236}">
-                <a16:creationId xmlns:a16="http://schemas.microsoft.com/office/drawing/2014/main" id="{A8EE20DB-1A44-4468-B983-F064A52DE9F3}"/>
-              </a:ext>
-            </a:extLst>
-          </p:cNvPr>
-          <p:cNvCxnSpPr>
-            <a:cxnSpLocks/>
-          </p:cNvCxnSpPr>
-          <p:nvPr/>
-        </p:nvCxnSpPr>
-        <p:spPr>
-          <a:xfrm>
-            <a:off x="5646298" y="3977650"/>
-            <a:ext cx="2148955" cy="443520"/>
+            <a:off x="5769621" y="3602213"/>
+            <a:ext cx="449172" cy="170969"/>
           </a:xfrm>
           <a:prstGeom prst="straightConnector1">
             <a:avLst/>
@@ -13836,6 +14518,376 @@
           </a:p>
         </p:txBody>
       </p:sp>
+      <p:sp>
+        <p:nvSpPr>
+          <p:cNvPr id="12" name="Content Placeholder 1">
+            <a:extLst>
+              <a:ext uri="{FF2B5EF4-FFF2-40B4-BE49-F238E27FC236}">
+                <a16:creationId xmlns:a16="http://schemas.microsoft.com/office/drawing/2014/main" id="{B5E73313-919F-44B3-BC37-F3E9FDCB269B}"/>
+              </a:ext>
+            </a:extLst>
+          </p:cNvPr>
+          <p:cNvSpPr txBox="1">
+            <a:spLocks/>
+          </p:cNvSpPr>
+          <p:nvPr/>
+        </p:nvSpPr>
+        <p:spPr>
+          <a:xfrm>
+            <a:off x="190830" y="5877485"/>
+            <a:ext cx="11774523" cy="1430163"/>
+          </a:xfrm>
+          <a:prstGeom prst="rect">
+            <a:avLst/>
+          </a:prstGeom>
+        </p:spPr>
+        <p:txBody>
+          <a:bodyPr vert="horz" lIns="91440" tIns="45720" rIns="91440" bIns="45720" rtlCol="0">
+            <a:normAutofit/>
+          </a:bodyPr>
+          <a:lstStyle>
+            <a:lvl1pPr marL="228600" indent="-228600" algn="l" defTabSz="914400" rtl="0" eaLnBrk="1" latinLnBrk="0" hangingPunct="1">
+              <a:lnSpc>
+                <a:spcPct val="90000"/>
+              </a:lnSpc>
+              <a:spcBef>
+                <a:spcPts val="1000"/>
+              </a:spcBef>
+              <a:buFont typeface="Arial" panose="020B0604020202020204" pitchFamily="34" charset="0"/>
+              <a:buChar char="•"/>
+              <a:defRPr sz="2800" kern="1200">
+                <a:solidFill>
+                  <a:schemeClr val="tx1"/>
+                </a:solidFill>
+                <a:latin typeface="+mn-lt"/>
+                <a:ea typeface="+mn-ea"/>
+                <a:cs typeface="+mn-cs"/>
+              </a:defRPr>
+            </a:lvl1pPr>
+            <a:lvl2pPr marL="685800" indent="-228600" algn="l" defTabSz="914400" rtl="0" eaLnBrk="1" latinLnBrk="0" hangingPunct="1">
+              <a:lnSpc>
+                <a:spcPct val="90000"/>
+              </a:lnSpc>
+              <a:spcBef>
+                <a:spcPts val="500"/>
+              </a:spcBef>
+              <a:buFont typeface="Arial" panose="020B0604020202020204" pitchFamily="34" charset="0"/>
+              <a:buChar char="•"/>
+              <a:defRPr sz="2400" kern="1200">
+                <a:solidFill>
+                  <a:schemeClr val="tx1"/>
+                </a:solidFill>
+                <a:latin typeface="+mn-lt"/>
+                <a:ea typeface="+mn-ea"/>
+                <a:cs typeface="+mn-cs"/>
+              </a:defRPr>
+            </a:lvl2pPr>
+            <a:lvl3pPr marL="1143000" indent="-228600" algn="l" defTabSz="914400" rtl="0" eaLnBrk="1" latinLnBrk="0" hangingPunct="1">
+              <a:lnSpc>
+                <a:spcPct val="90000"/>
+              </a:lnSpc>
+              <a:spcBef>
+                <a:spcPts val="500"/>
+              </a:spcBef>
+              <a:buFont typeface="Arial" panose="020B0604020202020204" pitchFamily="34" charset="0"/>
+              <a:buChar char="•"/>
+              <a:defRPr sz="2000" kern="1200">
+                <a:solidFill>
+                  <a:schemeClr val="tx1"/>
+                </a:solidFill>
+                <a:latin typeface="+mn-lt"/>
+                <a:ea typeface="+mn-ea"/>
+                <a:cs typeface="+mn-cs"/>
+              </a:defRPr>
+            </a:lvl3pPr>
+            <a:lvl4pPr marL="1600200" indent="-228600" algn="l" defTabSz="914400" rtl="0" eaLnBrk="1" latinLnBrk="0" hangingPunct="1">
+              <a:lnSpc>
+                <a:spcPct val="90000"/>
+              </a:lnSpc>
+              <a:spcBef>
+                <a:spcPts val="500"/>
+              </a:spcBef>
+              <a:buFont typeface="Arial" panose="020B0604020202020204" pitchFamily="34" charset="0"/>
+              <a:buChar char="•"/>
+              <a:defRPr sz="1800" kern="1200">
+                <a:solidFill>
+                  <a:schemeClr val="tx1"/>
+                </a:solidFill>
+                <a:latin typeface="+mn-lt"/>
+                <a:ea typeface="+mn-ea"/>
+                <a:cs typeface="+mn-cs"/>
+              </a:defRPr>
+            </a:lvl4pPr>
+            <a:lvl5pPr marL="2057400" indent="-228600" algn="l" defTabSz="914400" rtl="0" eaLnBrk="1" latinLnBrk="0" hangingPunct="1">
+              <a:lnSpc>
+                <a:spcPct val="90000"/>
+              </a:lnSpc>
+              <a:spcBef>
+                <a:spcPts val="500"/>
+              </a:spcBef>
+              <a:buFont typeface="Arial" panose="020B0604020202020204" pitchFamily="34" charset="0"/>
+              <a:buChar char="•"/>
+              <a:defRPr sz="1800" kern="1200">
+                <a:solidFill>
+                  <a:schemeClr val="tx1"/>
+                </a:solidFill>
+                <a:latin typeface="+mn-lt"/>
+                <a:ea typeface="+mn-ea"/>
+                <a:cs typeface="+mn-cs"/>
+              </a:defRPr>
+            </a:lvl5pPr>
+            <a:lvl6pPr marL="2514600" indent="-228600" algn="l" defTabSz="914400" rtl="0" eaLnBrk="1" latinLnBrk="0" hangingPunct="1">
+              <a:lnSpc>
+                <a:spcPct val="90000"/>
+              </a:lnSpc>
+              <a:spcBef>
+                <a:spcPts val="500"/>
+              </a:spcBef>
+              <a:buFont typeface="Arial" panose="020B0604020202020204" pitchFamily="34" charset="0"/>
+              <a:buChar char="•"/>
+              <a:defRPr sz="1800" kern="1200">
+                <a:solidFill>
+                  <a:schemeClr val="tx1"/>
+                </a:solidFill>
+                <a:latin typeface="+mn-lt"/>
+                <a:ea typeface="+mn-ea"/>
+                <a:cs typeface="+mn-cs"/>
+              </a:defRPr>
+            </a:lvl6pPr>
+            <a:lvl7pPr marL="2971800" indent="-228600" algn="l" defTabSz="914400" rtl="0" eaLnBrk="1" latinLnBrk="0" hangingPunct="1">
+              <a:lnSpc>
+                <a:spcPct val="90000"/>
+              </a:lnSpc>
+              <a:spcBef>
+                <a:spcPts val="500"/>
+              </a:spcBef>
+              <a:buFont typeface="Arial" panose="020B0604020202020204" pitchFamily="34" charset="0"/>
+              <a:buChar char="•"/>
+              <a:defRPr sz="1800" kern="1200">
+                <a:solidFill>
+                  <a:schemeClr val="tx1"/>
+                </a:solidFill>
+                <a:latin typeface="+mn-lt"/>
+                <a:ea typeface="+mn-ea"/>
+                <a:cs typeface="+mn-cs"/>
+              </a:defRPr>
+            </a:lvl7pPr>
+            <a:lvl8pPr marL="3429000" indent="-228600" algn="l" defTabSz="914400" rtl="0" eaLnBrk="1" latinLnBrk="0" hangingPunct="1">
+              <a:lnSpc>
+                <a:spcPct val="90000"/>
+              </a:lnSpc>
+              <a:spcBef>
+                <a:spcPts val="500"/>
+              </a:spcBef>
+              <a:buFont typeface="Arial" panose="020B0604020202020204" pitchFamily="34" charset="0"/>
+              <a:buChar char="•"/>
+              <a:defRPr sz="1800" kern="1200">
+                <a:solidFill>
+                  <a:schemeClr val="tx1"/>
+                </a:solidFill>
+                <a:latin typeface="+mn-lt"/>
+                <a:ea typeface="+mn-ea"/>
+                <a:cs typeface="+mn-cs"/>
+              </a:defRPr>
+            </a:lvl8pPr>
+            <a:lvl9pPr marL="3886200" indent="-228600" algn="l" defTabSz="914400" rtl="0" eaLnBrk="1" latinLnBrk="0" hangingPunct="1">
+              <a:lnSpc>
+                <a:spcPct val="90000"/>
+              </a:lnSpc>
+              <a:spcBef>
+                <a:spcPts val="500"/>
+              </a:spcBef>
+              <a:buFont typeface="Arial" panose="020B0604020202020204" pitchFamily="34" charset="0"/>
+              <a:buChar char="•"/>
+              <a:defRPr sz="1800" kern="1200">
+                <a:solidFill>
+                  <a:schemeClr val="tx1"/>
+                </a:solidFill>
+                <a:latin typeface="+mn-lt"/>
+                <a:ea typeface="+mn-ea"/>
+                <a:cs typeface="+mn-cs"/>
+              </a:defRPr>
+            </a:lvl9pPr>
+          </a:lstStyle>
+          <a:p>
+            <a:pPr>
+              <a:buFont typeface="Wingdings" panose="05000000000000000000" pitchFamily="2" charset="2"/>
+              <a:buChar char="Ø"/>
+            </a:pPr>
+            <a:r>
+              <a:rPr lang="en-GB" sz="2400" dirty="0">
+                <a:latin typeface="Garamond" panose="02020404030301010803" pitchFamily="18" charset="0"/>
+              </a:rPr>
+              <a:t>At the Linux terminal type:</a:t>
+            </a:r>
+            <a:endParaRPr lang="en-GB" sz="2400" dirty="0">
+              <a:solidFill>
+                <a:srgbClr val="0066FF"/>
+              </a:solidFill>
+              <a:latin typeface="Garamond" panose="02020404030301010803" pitchFamily="18" charset="0"/>
+            </a:endParaRPr>
+          </a:p>
+          <a:p>
+            <a:pPr marL="0" indent="0">
+              <a:spcBef>
+                <a:spcPts val="0"/>
+              </a:spcBef>
+              <a:buNone/>
+            </a:pPr>
+            <a:r>
+              <a:rPr lang="en-GB" sz="2400" dirty="0">
+                <a:solidFill>
+                  <a:srgbClr val="0066FF"/>
+                </a:solidFill>
+                <a:latin typeface="Garamond" panose="02020404030301010803" pitchFamily="18" charset="0"/>
+              </a:rPr>
+              <a:t>	</a:t>
+            </a:r>
+            <a:r>
+              <a:rPr lang="en-GB" sz="1800" dirty="0" err="1">
+                <a:solidFill>
+                  <a:srgbClr val="0070C0"/>
+                </a:solidFill>
+                <a:latin typeface="Consolas" panose="020B0609020204030204" pitchFamily="49" charset="0"/>
+              </a:rPr>
+              <a:t>firefox</a:t>
+            </a:r>
+            <a:r>
+              <a:rPr lang="en-GB" sz="1800" dirty="0">
+                <a:solidFill>
+                  <a:srgbClr val="0070C0"/>
+                </a:solidFill>
+                <a:latin typeface="Consolas" panose="020B0609020204030204" pitchFamily="49" charset="0"/>
+              </a:rPr>
+              <a:t> </a:t>
+            </a:r>
+            <a:r>
+              <a:rPr lang="en-GB" sz="1800" dirty="0">
+                <a:latin typeface="Consolas" panose="020B0609020204030204" pitchFamily="49" charset="0"/>
+              </a:rPr>
+              <a:t>sample1_results.html</a:t>
+            </a:r>
+          </a:p>
+        </p:txBody>
+      </p:sp>
+      <p:cxnSp>
+        <p:nvCxnSpPr>
+          <p:cNvPr id="16" name="Straight Arrow Connector 15">
+            <a:extLst>
+              <a:ext uri="{FF2B5EF4-FFF2-40B4-BE49-F238E27FC236}">
+                <a16:creationId xmlns:a16="http://schemas.microsoft.com/office/drawing/2014/main" id="{B9CB6278-686C-4155-A388-E19715B1E4BF}"/>
+              </a:ext>
+            </a:extLst>
+          </p:cNvPr>
+          <p:cNvCxnSpPr>
+            <a:cxnSpLocks/>
+          </p:cNvCxnSpPr>
+          <p:nvPr/>
+        </p:nvCxnSpPr>
+        <p:spPr>
+          <a:xfrm>
+            <a:off x="6218792" y="3602212"/>
+            <a:ext cx="449172" cy="170969"/>
+          </a:xfrm>
+          <a:prstGeom prst="straightConnector1">
+            <a:avLst/>
+          </a:prstGeom>
+          <a:ln>
+            <a:tailEnd type="triangle"/>
+          </a:ln>
+        </p:spPr>
+        <p:style>
+          <a:lnRef idx="1">
+            <a:schemeClr val="accent1"/>
+          </a:lnRef>
+          <a:fillRef idx="0">
+            <a:schemeClr val="accent1"/>
+          </a:fillRef>
+          <a:effectRef idx="0">
+            <a:schemeClr val="accent1"/>
+          </a:effectRef>
+          <a:fontRef idx="minor">
+            <a:schemeClr val="tx1"/>
+          </a:fontRef>
+        </p:style>
+      </p:cxnSp>
+      <p:sp>
+        <p:nvSpPr>
+          <p:cNvPr id="7" name="Rectangle 6">
+            <a:extLst>
+              <a:ext uri="{FF2B5EF4-FFF2-40B4-BE49-F238E27FC236}">
+                <a16:creationId xmlns:a16="http://schemas.microsoft.com/office/drawing/2014/main" id="{C93E6F2F-9D3A-41AA-8A40-592E51DC7901}"/>
+              </a:ext>
+            </a:extLst>
+          </p:cNvPr>
+          <p:cNvSpPr/>
+          <p:nvPr/>
+        </p:nvSpPr>
+        <p:spPr>
+          <a:xfrm>
+            <a:off x="5556176" y="6223910"/>
+            <a:ext cx="4886338" cy="369332"/>
+          </a:xfrm>
+          <a:prstGeom prst="rect">
+            <a:avLst/>
+          </a:prstGeom>
+        </p:spPr>
+        <p:txBody>
+          <a:bodyPr wrap="none">
+            <a:spAutoFit/>
+          </a:bodyPr>
+          <a:lstStyle/>
+          <a:p>
+            <a:r>
+              <a:rPr lang="en-GB" dirty="0">
+                <a:solidFill>
+                  <a:schemeClr val="bg2">
+                    <a:lumMod val="50000"/>
+                  </a:schemeClr>
+                </a:solidFill>
+                <a:latin typeface="Garamond" panose="02020404030301010803" pitchFamily="18" charset="0"/>
+              </a:rPr>
+              <a:t>To visualise the .HTML report using Mozilla Firefox</a:t>
+            </a:r>
+            <a:endParaRPr lang="en-GB" dirty="0"/>
+          </a:p>
+        </p:txBody>
+      </p:sp>
+      <p:pic>
+        <p:nvPicPr>
+          <p:cNvPr id="19" name="Picture 18">
+            <a:extLst>
+              <a:ext uri="{FF2B5EF4-FFF2-40B4-BE49-F238E27FC236}">
+                <a16:creationId xmlns:a16="http://schemas.microsoft.com/office/drawing/2014/main" id="{19DB5382-0F7C-4B8B-AE4D-6AE57B6D9E8D}"/>
+              </a:ext>
+            </a:extLst>
+          </p:cNvPr>
+          <p:cNvPicPr>
+            <a:picLocks noChangeAspect="1"/>
+          </p:cNvPicPr>
+          <p:nvPr/>
+        </p:nvPicPr>
+        <p:blipFill rotWithShape="1">
+          <a:blip r:embed="rId2">
+            <a:extLst>
+              <a:ext uri="{28A0092B-C50C-407E-A947-70E740481C1C}">
+                <a14:useLocalDpi xmlns:a14="http://schemas.microsoft.com/office/drawing/2010/main" val="0"/>
+              </a:ext>
+            </a:extLst>
+          </a:blip>
+          <a:srcRect b="66379"/>
+          <a:stretch/>
+        </p:blipFill>
+        <p:spPr>
+          <a:xfrm>
+            <a:off x="6096000" y="4690501"/>
+            <a:ext cx="5605235" cy="421363"/>
+          </a:xfrm>
+          <a:prstGeom prst="rect">
+            <a:avLst/>
+          </a:prstGeom>
+        </p:spPr>
+      </p:pic>
     </p:spTree>
     <p:extLst>
       <p:ext uri="{BB962C8B-B14F-4D97-AF65-F5344CB8AC3E}">
@@ -13846,262 +14898,6 @@
   <p:clrMapOvr>
     <a:masterClrMapping/>
   </p:clrMapOvr>
-  <p:timing>
-    <p:tnLst>
-      <p:par>
-        <p:cTn id="1" dur="indefinite" restart="never" nodeType="tmRoot">
-          <p:childTnLst>
-            <p:seq concurrent="1" nextAc="seek">
-              <p:cTn id="2" dur="indefinite" nodeType="mainSeq">
-                <p:childTnLst>
-                  <p:par>
-                    <p:cTn id="3" fill="hold">
-                      <p:stCondLst>
-                        <p:cond delay="indefinite"/>
-                      </p:stCondLst>
-                      <p:childTnLst>
-                        <p:par>
-                          <p:cTn id="4" fill="hold">
-                            <p:stCondLst>
-                              <p:cond delay="0"/>
-                            </p:stCondLst>
-                            <p:childTnLst>
-                              <p:par>
-                                <p:cTn id="5" presetID="1" presetClass="entr" presetSubtype="0" fill="hold" grpId="0" nodeType="clickEffect">
-                                  <p:stCondLst>
-                                    <p:cond delay="0"/>
-                                  </p:stCondLst>
-                                  <p:childTnLst>
-                                    <p:set>
-                                      <p:cBhvr>
-                                        <p:cTn id="6" dur="1" fill="hold">
-                                          <p:stCondLst>
-                                            <p:cond delay="0"/>
-                                          </p:stCondLst>
-                                        </p:cTn>
-                                        <p:tgtEl>
-                                          <p:spTgt spid="9"/>
-                                        </p:tgtEl>
-                                        <p:attrNameLst>
-                                          <p:attrName>style.visibility</p:attrName>
-                                        </p:attrNameLst>
-                                      </p:cBhvr>
-                                      <p:to>
-                                        <p:strVal val="visible"/>
-                                      </p:to>
-                                    </p:set>
-                                  </p:childTnLst>
-                                </p:cTn>
-                              </p:par>
-                            </p:childTnLst>
-                          </p:cTn>
-                        </p:par>
-                      </p:childTnLst>
-                    </p:cTn>
-                  </p:par>
-                  <p:par>
-                    <p:cTn id="7" fill="hold">
-                      <p:stCondLst>
-                        <p:cond delay="indefinite"/>
-                      </p:stCondLst>
-                      <p:childTnLst>
-                        <p:par>
-                          <p:cTn id="8" fill="hold">
-                            <p:stCondLst>
-                              <p:cond delay="0"/>
-                            </p:stCondLst>
-                            <p:childTnLst>
-                              <p:par>
-                                <p:cTn id="9" presetID="10" presetClass="entr" presetSubtype="0" fill="hold" nodeType="clickEffect">
-                                  <p:stCondLst>
-                                    <p:cond delay="0"/>
-                                  </p:stCondLst>
-                                  <p:childTnLst>
-                                    <p:set>
-                                      <p:cBhvr>
-                                        <p:cTn id="10" dur="1" fill="hold">
-                                          <p:stCondLst>
-                                            <p:cond delay="0"/>
-                                          </p:stCondLst>
-                                        </p:cTn>
-                                        <p:tgtEl>
-                                          <p:spTgt spid="27"/>
-                                        </p:tgtEl>
-                                        <p:attrNameLst>
-                                          <p:attrName>style.visibility</p:attrName>
-                                        </p:attrNameLst>
-                                      </p:cBhvr>
-                                      <p:to>
-                                        <p:strVal val="visible"/>
-                                      </p:to>
-                                    </p:set>
-                                    <p:animEffect transition="in" filter="fade">
-                                      <p:cBhvr>
-                                        <p:cTn id="11" dur="500"/>
-                                        <p:tgtEl>
-                                          <p:spTgt spid="27"/>
-                                        </p:tgtEl>
-                                      </p:cBhvr>
-                                    </p:animEffect>
-                                  </p:childTnLst>
-                                </p:cTn>
-                              </p:par>
-                              <p:par>
-                                <p:cTn id="12" presetID="10" presetClass="entr" presetSubtype="0" fill="hold" grpId="0" nodeType="withEffect">
-                                  <p:stCondLst>
-                                    <p:cond delay="0"/>
-                                  </p:stCondLst>
-                                  <p:childTnLst>
-                                    <p:set>
-                                      <p:cBhvr>
-                                        <p:cTn id="13" dur="1" fill="hold">
-                                          <p:stCondLst>
-                                            <p:cond delay="0"/>
-                                          </p:stCondLst>
-                                        </p:cTn>
-                                        <p:tgtEl>
-                                          <p:spTgt spid="10"/>
-                                        </p:tgtEl>
-                                        <p:attrNameLst>
-                                          <p:attrName>style.visibility</p:attrName>
-                                        </p:attrNameLst>
-                                      </p:cBhvr>
-                                      <p:to>
-                                        <p:strVal val="visible"/>
-                                      </p:to>
-                                    </p:set>
-                                    <p:animEffect transition="in" filter="fade">
-                                      <p:cBhvr>
-                                        <p:cTn id="14" dur="500"/>
-                                        <p:tgtEl>
-                                          <p:spTgt spid="10"/>
-                                        </p:tgtEl>
-                                      </p:cBhvr>
-                                    </p:animEffect>
-                                  </p:childTnLst>
-                                </p:cTn>
-                              </p:par>
-                            </p:childTnLst>
-                          </p:cTn>
-                        </p:par>
-                      </p:childTnLst>
-                    </p:cTn>
-                  </p:par>
-                  <p:par>
-                    <p:cTn id="15" fill="hold">
-                      <p:stCondLst>
-                        <p:cond delay="indefinite"/>
-                      </p:stCondLst>
-                      <p:childTnLst>
-                        <p:par>
-                          <p:cTn id="16" fill="hold">
-                            <p:stCondLst>
-                              <p:cond delay="0"/>
-                            </p:stCondLst>
-                            <p:childTnLst>
-                              <p:par>
-                                <p:cTn id="17" presetID="10" presetClass="entr" presetSubtype="0" fill="hold" nodeType="clickEffect">
-                                  <p:stCondLst>
-                                    <p:cond delay="0"/>
-                                  </p:stCondLst>
-                                  <p:childTnLst>
-                                    <p:set>
-                                      <p:cBhvr>
-                                        <p:cTn id="18" dur="1" fill="hold">
-                                          <p:stCondLst>
-                                            <p:cond delay="0"/>
-                                          </p:stCondLst>
-                                        </p:cTn>
-                                        <p:tgtEl>
-                                          <p:spTgt spid="28"/>
-                                        </p:tgtEl>
-                                        <p:attrNameLst>
-                                          <p:attrName>style.visibility</p:attrName>
-                                        </p:attrNameLst>
-                                      </p:cBhvr>
-                                      <p:to>
-                                        <p:strVal val="visible"/>
-                                      </p:to>
-                                    </p:set>
-                                    <p:animEffect transition="in" filter="fade">
-                                      <p:cBhvr>
-                                        <p:cTn id="19" dur="500"/>
-                                        <p:tgtEl>
-                                          <p:spTgt spid="28"/>
-                                        </p:tgtEl>
-                                      </p:cBhvr>
-                                    </p:animEffect>
-                                  </p:childTnLst>
-                                </p:cTn>
-                              </p:par>
-                              <p:par>
-                                <p:cTn id="20" presetID="10" presetClass="entr" presetSubtype="0" fill="hold" grpId="0" nodeType="withEffect">
-                                  <p:stCondLst>
-                                    <p:cond delay="0"/>
-                                  </p:stCondLst>
-                                  <p:childTnLst>
-                                    <p:set>
-                                      <p:cBhvr>
-                                        <p:cTn id="21" dur="1" fill="hold">
-                                          <p:stCondLst>
-                                            <p:cond delay="0"/>
-                                          </p:stCondLst>
-                                        </p:cTn>
-                                        <p:tgtEl>
-                                          <p:spTgt spid="26"/>
-                                        </p:tgtEl>
-                                        <p:attrNameLst>
-                                          <p:attrName>style.visibility</p:attrName>
-                                        </p:attrNameLst>
-                                      </p:cBhvr>
-                                      <p:to>
-                                        <p:strVal val="visible"/>
-                                      </p:to>
-                                    </p:set>
-                                    <p:animEffect transition="in" filter="fade">
-                                      <p:cBhvr>
-                                        <p:cTn id="22" dur="500"/>
-                                        <p:tgtEl>
-                                          <p:spTgt spid="26"/>
-                                        </p:tgtEl>
-                                      </p:cBhvr>
-                                    </p:animEffect>
-                                  </p:childTnLst>
-                                </p:cTn>
-                              </p:par>
-                            </p:childTnLst>
-                          </p:cTn>
-                        </p:par>
-                      </p:childTnLst>
-                    </p:cTn>
-                  </p:par>
-                </p:childTnLst>
-              </p:cTn>
-              <p:prevCondLst>
-                <p:cond evt="onPrev" delay="0">
-                  <p:tgtEl>
-                    <p:sldTgt/>
-                  </p:tgtEl>
-                </p:cond>
-              </p:prevCondLst>
-              <p:nextCondLst>
-                <p:cond evt="onNext" delay="0">
-                  <p:tgtEl>
-                    <p:sldTgt/>
-                  </p:tgtEl>
-                </p:cond>
-              </p:nextCondLst>
-            </p:seq>
-          </p:childTnLst>
-        </p:cTn>
-      </p:par>
-    </p:tnLst>
-    <p:bldLst>
-      <p:bldP spid="9" grpId="0"/>
-      <p:bldP spid="10" grpId="0"/>
-      <p:bldP spid="26" grpId="0"/>
-    </p:bldLst>
-  </p:timing>
 </p:sld>
 </file>
 
@@ -14303,7 +15099,7 @@
         <p:spPr>
           <a:xfrm>
             <a:off x="5486399" y="4008014"/>
-            <a:ext cx="6574972" cy="646331"/>
+            <a:ext cx="6574972" cy="553998"/>
           </a:xfrm>
           <a:prstGeom prst="rect">
             <a:avLst/>
@@ -14321,10 +15117,10 @@
               <a:t>Read more about how to interpret the FASTQC reports: </a:t>
             </a:r>
             <a:r>
-              <a:rPr lang="en-GB" dirty="0">
+              <a:rPr lang="en-GB" sz="1200" dirty="0">
                 <a:hlinkClick r:id="rId2"/>
               </a:rPr>
-              <a:t>http://www.bioinformatics.babraham.ac.uk/projects/fastqc/Help/</a:t>
+              <a:t>http://www.bioinformatics.babraham.ac.uk/projects/fastqc/Help/3%20Analysis%20Modules/</a:t>
             </a:r>
             <a:endParaRPr lang="en-GB" dirty="0"/>
           </a:p>
@@ -17027,7 +17823,7 @@
               <a:rPr lang="en-GB" dirty="0">
                 <a:latin typeface="Garamond" panose="02020404030301010803" pitchFamily="18" charset="0"/>
               </a:rPr>
-              <a:t>Quality of Depth less than 1.5: QD &lt; 1.5 to tag variants with low quality of depth</a:t>
+              <a:t>Approximate read depth less than 6: DP &lt; 6 to tag variants with low read coverage</a:t>
             </a:r>
           </a:p>
           <a:p>
@@ -17042,7 +17838,7 @@
               <a:rPr lang="en-GB" dirty="0">
                 <a:latin typeface="Garamond" panose="02020404030301010803" pitchFamily="18" charset="0"/>
               </a:rPr>
-              <a:t>Approximate read depth less than 6: DP &lt; 6 to tag variants with low read coverage</a:t>
+              <a:t>Quality of Depth less than 1.5: QD &lt; 1.5 to tag variants with low quality of depth</a:t>
             </a:r>
           </a:p>
           <a:p>
@@ -19171,157 +19967,6 @@
   <p:clrMapOvr>
     <a:masterClrMapping/>
   </p:clrMapOvr>
-  <p:timing>
-    <p:tnLst>
-      <p:par>
-        <p:cTn id="1" dur="indefinite" restart="never" nodeType="tmRoot">
-          <p:childTnLst>
-            <p:seq concurrent="1" nextAc="seek">
-              <p:cTn id="2" dur="indefinite" nodeType="mainSeq">
-                <p:childTnLst>
-                  <p:par>
-                    <p:cTn id="3" fill="hold">
-                      <p:stCondLst>
-                        <p:cond delay="indefinite"/>
-                      </p:stCondLst>
-                      <p:childTnLst>
-                        <p:par>
-                          <p:cTn id="4" fill="hold">
-                            <p:stCondLst>
-                              <p:cond delay="0"/>
-                            </p:stCondLst>
-                            <p:childTnLst>
-                              <p:par>
-                                <p:cTn id="5" presetID="1" presetClass="entr" presetSubtype="0" fill="hold" nodeType="clickEffect">
-                                  <p:stCondLst>
-                                    <p:cond delay="0"/>
-                                  </p:stCondLst>
-                                  <p:childTnLst>
-                                    <p:set>
-                                      <p:cBhvr>
-                                        <p:cTn id="6" dur="1" fill="hold">
-                                          <p:stCondLst>
-                                            <p:cond delay="0"/>
-                                          </p:stCondLst>
-                                        </p:cTn>
-                                        <p:tgtEl>
-                                          <p:spTgt spid="23"/>
-                                        </p:tgtEl>
-                                        <p:attrNameLst>
-                                          <p:attrName>style.visibility</p:attrName>
-                                        </p:attrNameLst>
-                                      </p:cBhvr>
-                                      <p:to>
-                                        <p:strVal val="visible"/>
-                                      </p:to>
-                                    </p:set>
-                                  </p:childTnLst>
-                                </p:cTn>
-                              </p:par>
-                            </p:childTnLst>
-                          </p:cTn>
-                        </p:par>
-                      </p:childTnLst>
-                    </p:cTn>
-                  </p:par>
-                  <p:par>
-                    <p:cTn id="7" fill="hold">
-                      <p:stCondLst>
-                        <p:cond delay="indefinite"/>
-                      </p:stCondLst>
-                      <p:childTnLst>
-                        <p:par>
-                          <p:cTn id="8" fill="hold">
-                            <p:stCondLst>
-                              <p:cond delay="0"/>
-                            </p:stCondLst>
-                            <p:childTnLst>
-                              <p:par>
-                                <p:cTn id="9" presetID="1" presetClass="entr" presetSubtype="0" fill="hold" grpId="0" nodeType="clickEffect">
-                                  <p:stCondLst>
-                                    <p:cond delay="0"/>
-                                  </p:stCondLst>
-                                  <p:childTnLst>
-                                    <p:set>
-                                      <p:cBhvr>
-                                        <p:cTn id="10" dur="1" fill="hold">
-                                          <p:stCondLst>
-                                            <p:cond delay="0"/>
-                                          </p:stCondLst>
-                                        </p:cTn>
-                                        <p:tgtEl>
-                                          <p:spTgt spid="24"/>
-                                        </p:tgtEl>
-                                        <p:attrNameLst>
-                                          <p:attrName>style.visibility</p:attrName>
-                                        </p:attrNameLst>
-                                      </p:cBhvr>
-                                      <p:to>
-                                        <p:strVal val="visible"/>
-                                      </p:to>
-                                    </p:set>
-                                  </p:childTnLst>
-                                </p:cTn>
-                              </p:par>
-                              <p:par>
-                                <p:cTn id="11" presetID="1" presetClass="entr" presetSubtype="0" fill="hold" grpId="0" nodeType="withEffect">
-                                  <p:stCondLst>
-                                    <p:cond delay="0"/>
-                                  </p:stCondLst>
-                                  <p:childTnLst>
-                                    <p:set>
-                                      <p:cBhvr>
-                                        <p:cTn id="12" dur="1" fill="hold">
-                                          <p:stCondLst>
-                                            <p:cond delay="0"/>
-                                          </p:stCondLst>
-                                        </p:cTn>
-                                        <p:tgtEl>
-                                          <p:spTgt spid="25"/>
-                                        </p:tgtEl>
-                                        <p:attrNameLst>
-                                          <p:attrName>style.visibility</p:attrName>
-                                        </p:attrNameLst>
-                                      </p:cBhvr>
-                                      <p:to>
-                                        <p:strVal val="visible"/>
-                                      </p:to>
-                                    </p:set>
-                                  </p:childTnLst>
-                                </p:cTn>
-                              </p:par>
-                            </p:childTnLst>
-                          </p:cTn>
-                        </p:par>
-                      </p:childTnLst>
-                    </p:cTn>
-                  </p:par>
-                </p:childTnLst>
-              </p:cTn>
-              <p:prevCondLst>
-                <p:cond evt="onPrev" delay="0">
-                  <p:tgtEl>
-                    <p:sldTgt/>
-                  </p:tgtEl>
-                </p:cond>
-              </p:prevCondLst>
-              <p:nextCondLst>
-                <p:cond evt="onNext" delay="0">
-                  <p:tgtEl>
-                    <p:sldTgt/>
-                  </p:tgtEl>
-                </p:cond>
-              </p:nextCondLst>
-            </p:seq>
-          </p:childTnLst>
-        </p:cTn>
-      </p:par>
-    </p:tnLst>
-    <p:bldLst>
-      <p:bldP spid="24" grpId="0" animBg="1"/>
-      <p:bldP spid="25" grpId="0"/>
-    </p:bldLst>
-  </p:timing>
 </p:sld>
 </file>
 
@@ -19473,7 +20118,7 @@
         </p:spPr>
         <p:txBody>
           <a:bodyPr>
-            <a:normAutofit fontScale="92500"/>
+            <a:normAutofit lnSpcReduction="10000"/>
           </a:bodyPr>
           <a:lstStyle/>
           <a:p>
@@ -19602,7 +20247,7 @@
               <a:rPr lang="en-GB" sz="2000" dirty="0">
                 <a:latin typeface="Consolas" panose="020B0609020204030204" pitchFamily="49" charset="0"/>
               </a:rPr>
-              <a:t>sample1.filtered.vcf.gz </a:t>
+              <a:t>sample1.filtered.vcf </a:t>
             </a:r>
             <a:r>
               <a:rPr lang="en-GB" sz="2000" dirty="0">
@@ -19734,7 +20379,7 @@
         </p:blipFill>
         <p:spPr>
           <a:xfrm>
-            <a:off x="1323163" y="5276575"/>
+            <a:off x="1323163" y="5149354"/>
             <a:ext cx="798501" cy="328747"/>
           </a:xfrm>
           <a:prstGeom prst="rect">
@@ -20012,7 +20657,7 @@
               <a:rPr lang="en-GB" sz="2000" dirty="0">
                 <a:latin typeface="Garamond" panose="02020404030301010803" pitchFamily="18" charset="0"/>
               </a:rPr>
-              <a:t>Locate the “sample1.filtered.vcf.gz” and open.</a:t>
+              <a:t>Locate the “sample1.filtered.vcf” and open.</a:t>
             </a:r>
           </a:p>
           <a:p>
@@ -20395,7 +21040,7 @@
               <a:rPr lang="en-GB" sz="1800" dirty="0">
                 <a:latin typeface="Garamond" panose="02020404030301010803" pitchFamily="18" charset="0"/>
               </a:rPr>
-              <a:t> file using the VCF download button on the upper-right corner</a:t>
+              <a:t> file using the VCF download button on the upper-right corner.</a:t>
             </a:r>
           </a:p>
           <a:p>
@@ -20406,19 +21051,7 @@
               <a:rPr lang="en-GB" sz="1800" dirty="0">
                 <a:latin typeface="Garamond" panose="02020404030301010803" pitchFamily="18" charset="0"/>
               </a:rPr>
-              <a:t>Get the genomic position of the variant you selected in question 1 and extract this variant’s information from the </a:t>
-            </a:r>
-            <a:r>
-              <a:rPr lang="en-GB" sz="1800" dirty="0" err="1">
-                <a:latin typeface="Garamond" panose="02020404030301010803" pitchFamily="18" charset="0"/>
-              </a:rPr>
-              <a:t>vcf</a:t>
-            </a:r>
-            <a:r>
-              <a:rPr lang="en-GB" sz="1800" dirty="0">
-                <a:latin typeface="Garamond" panose="02020404030301010803" pitchFamily="18" charset="0"/>
-              </a:rPr>
-              <a:t> file (using the </a:t>
+              <a:t>Get the genomic position of the variant you selected in question 1 and extract this variant’s information from the sample1.filtered.vcf file (using the </a:t>
             </a:r>
             <a:r>
               <a:rPr lang="en-GB" sz="1400" dirty="0">
@@ -25224,4 +25857,299 @@
     </a:ext>
   </a:extLst>
 </a:theme>
+</file>
+
+<file path=ppt/theme/theme2.xml><?xml version="1.0" encoding="utf-8"?>
+<a:theme xmlns:a="http://schemas.openxmlformats.org/drawingml/2006/main" name="Office Theme">
+  <a:themeElements>
+    <a:clrScheme name="Office">
+      <a:dk1>
+        <a:sysClr val="windowText" lastClr="000000"/>
+      </a:dk1>
+      <a:lt1>
+        <a:sysClr val="window" lastClr="FFFFFF"/>
+      </a:lt1>
+      <a:dk2>
+        <a:srgbClr val="44546A"/>
+      </a:dk2>
+      <a:lt2>
+        <a:srgbClr val="E7E6E6"/>
+      </a:lt2>
+      <a:accent1>
+        <a:srgbClr val="4472C4"/>
+      </a:accent1>
+      <a:accent2>
+        <a:srgbClr val="ED7D31"/>
+      </a:accent2>
+      <a:accent3>
+        <a:srgbClr val="A5A5A5"/>
+      </a:accent3>
+      <a:accent4>
+        <a:srgbClr val="FFC000"/>
+      </a:accent4>
+      <a:accent5>
+        <a:srgbClr val="5B9BD5"/>
+      </a:accent5>
+      <a:accent6>
+        <a:srgbClr val="70AD47"/>
+      </a:accent6>
+      <a:hlink>
+        <a:srgbClr val="0563C1"/>
+      </a:hlink>
+      <a:folHlink>
+        <a:srgbClr val="954F72"/>
+      </a:folHlink>
+    </a:clrScheme>
+    <a:fontScheme name="Office">
+      <a:majorFont>
+        <a:latin typeface="Calibri Light" panose="020F0302020204030204"/>
+        <a:ea typeface=""/>
+        <a:cs typeface=""/>
+        <a:font script="Jpan" typeface="游ゴシック Light"/>
+        <a:font script="Hang" typeface="맑은 고딕"/>
+        <a:font script="Hans" typeface="等线 Light"/>
+        <a:font script="Hant" typeface="新細明體"/>
+        <a:font script="Arab" typeface="Times New Roman"/>
+        <a:font script="Hebr" typeface="Times New Roman"/>
+        <a:font script="Thai" typeface="Angsana New"/>
+        <a:font script="Ethi" typeface="Nyala"/>
+        <a:font script="Beng" typeface="Vrinda"/>
+        <a:font script="Gujr" typeface="Shruti"/>
+        <a:font script="Khmr" typeface="MoolBoran"/>
+        <a:font script="Knda" typeface="Tunga"/>
+        <a:font script="Guru" typeface="Raavi"/>
+        <a:font script="Cans" typeface="Euphemia"/>
+        <a:font script="Cher" typeface="Plantagenet Cherokee"/>
+        <a:font script="Yiii" typeface="Microsoft Yi Baiti"/>
+        <a:font script="Tibt" typeface="Microsoft Himalaya"/>
+        <a:font script="Thaa" typeface="MV Boli"/>
+        <a:font script="Deva" typeface="Mangal"/>
+        <a:font script="Telu" typeface="Gautami"/>
+        <a:font script="Taml" typeface="Latha"/>
+        <a:font script="Syrc" typeface="Estrangelo Edessa"/>
+        <a:font script="Orya" typeface="Kalinga"/>
+        <a:font script="Mlym" typeface="Kartika"/>
+        <a:font script="Laoo" typeface="DokChampa"/>
+        <a:font script="Sinh" typeface="Iskoola Pota"/>
+        <a:font script="Mong" typeface="Mongolian Baiti"/>
+        <a:font script="Viet" typeface="Times New Roman"/>
+        <a:font script="Uigh" typeface="Microsoft Uighur"/>
+        <a:font script="Geor" typeface="Sylfaen"/>
+        <a:font script="Armn" typeface="Arial"/>
+        <a:font script="Bugi" typeface="Leelawadee UI"/>
+        <a:font script="Bopo" typeface="Microsoft JhengHei"/>
+        <a:font script="Java" typeface="Javanese Text"/>
+        <a:font script="Lisu" typeface="Segoe UI"/>
+        <a:font script="Mymr" typeface="Myanmar Text"/>
+        <a:font script="Nkoo" typeface="Ebrima"/>
+        <a:font script="Olck" typeface="Nirmala UI"/>
+        <a:font script="Osma" typeface="Ebrima"/>
+        <a:font script="Phag" typeface="Phagspa"/>
+        <a:font script="Syrn" typeface="Estrangelo Edessa"/>
+        <a:font script="Syrj" typeface="Estrangelo Edessa"/>
+        <a:font script="Syre" typeface="Estrangelo Edessa"/>
+        <a:font script="Sora" typeface="Nirmala UI"/>
+        <a:font script="Tale" typeface="Microsoft Tai Le"/>
+        <a:font script="Talu" typeface="Microsoft New Tai Lue"/>
+        <a:font script="Tfng" typeface="Ebrima"/>
+      </a:majorFont>
+      <a:minorFont>
+        <a:latin typeface="Calibri" panose="020F0502020204030204"/>
+        <a:ea typeface=""/>
+        <a:cs typeface=""/>
+        <a:font script="Jpan" typeface="游ゴシック"/>
+        <a:font script="Hang" typeface="맑은 고딕"/>
+        <a:font script="Hans" typeface="等线"/>
+        <a:font script="Hant" typeface="新細明體"/>
+        <a:font script="Arab" typeface="Arial"/>
+        <a:font script="Hebr" typeface="Arial"/>
+        <a:font script="Thai" typeface="Cordia New"/>
+        <a:font script="Ethi" typeface="Nyala"/>
+        <a:font script="Beng" typeface="Vrinda"/>
+        <a:font script="Gujr" typeface="Shruti"/>
+        <a:font script="Khmr" typeface="DaunPenh"/>
+        <a:font script="Knda" typeface="Tunga"/>
+        <a:font script="Guru" typeface="Raavi"/>
+        <a:font script="Cans" typeface="Euphemia"/>
+        <a:font script="Cher" typeface="Plantagenet Cherokee"/>
+        <a:font script="Yiii" typeface="Microsoft Yi Baiti"/>
+        <a:font script="Tibt" typeface="Microsoft Himalaya"/>
+        <a:font script="Thaa" typeface="MV Boli"/>
+        <a:font script="Deva" typeface="Mangal"/>
+        <a:font script="Telu" typeface="Gautami"/>
+        <a:font script="Taml" typeface="Latha"/>
+        <a:font script="Syrc" typeface="Estrangelo Edessa"/>
+        <a:font script="Orya" typeface="Kalinga"/>
+        <a:font script="Mlym" typeface="Kartika"/>
+        <a:font script="Laoo" typeface="DokChampa"/>
+        <a:font script="Sinh" typeface="Iskoola Pota"/>
+        <a:font script="Mong" typeface="Mongolian Baiti"/>
+        <a:font script="Viet" typeface="Arial"/>
+        <a:font script="Uigh" typeface="Microsoft Uighur"/>
+        <a:font script="Geor" typeface="Sylfaen"/>
+        <a:font script="Armn" typeface="Arial"/>
+        <a:font script="Bugi" typeface="Leelawadee UI"/>
+        <a:font script="Bopo" typeface="Microsoft JhengHei"/>
+        <a:font script="Java" typeface="Javanese Text"/>
+        <a:font script="Lisu" typeface="Segoe UI"/>
+        <a:font script="Mymr" typeface="Myanmar Text"/>
+        <a:font script="Nkoo" typeface="Ebrima"/>
+        <a:font script="Olck" typeface="Nirmala UI"/>
+        <a:font script="Osma" typeface="Ebrima"/>
+        <a:font script="Phag" typeface="Phagspa"/>
+        <a:font script="Syrn" typeface="Estrangelo Edessa"/>
+        <a:font script="Syrj" typeface="Estrangelo Edessa"/>
+        <a:font script="Syre" typeface="Estrangelo Edessa"/>
+        <a:font script="Sora" typeface="Nirmala UI"/>
+        <a:font script="Tale" typeface="Microsoft Tai Le"/>
+        <a:font script="Talu" typeface="Microsoft New Tai Lue"/>
+        <a:font script="Tfng" typeface="Ebrima"/>
+      </a:minorFont>
+    </a:fontScheme>
+    <a:fmtScheme name="Office">
+      <a:fillStyleLst>
+        <a:solidFill>
+          <a:schemeClr val="phClr"/>
+        </a:solidFill>
+        <a:gradFill rotWithShape="1">
+          <a:gsLst>
+            <a:gs pos="0">
+              <a:schemeClr val="phClr">
+                <a:lumMod val="110000"/>
+                <a:satMod val="105000"/>
+                <a:tint val="67000"/>
+              </a:schemeClr>
+            </a:gs>
+            <a:gs pos="50000">
+              <a:schemeClr val="phClr">
+                <a:lumMod val="105000"/>
+                <a:satMod val="103000"/>
+                <a:tint val="73000"/>
+              </a:schemeClr>
+            </a:gs>
+            <a:gs pos="100000">
+              <a:schemeClr val="phClr">
+                <a:lumMod val="105000"/>
+                <a:satMod val="109000"/>
+                <a:tint val="81000"/>
+              </a:schemeClr>
+            </a:gs>
+          </a:gsLst>
+          <a:lin ang="5400000" scaled="0"/>
+        </a:gradFill>
+        <a:gradFill rotWithShape="1">
+          <a:gsLst>
+            <a:gs pos="0">
+              <a:schemeClr val="phClr">
+                <a:satMod val="103000"/>
+                <a:lumMod val="102000"/>
+                <a:tint val="94000"/>
+              </a:schemeClr>
+            </a:gs>
+            <a:gs pos="50000">
+              <a:schemeClr val="phClr">
+                <a:satMod val="110000"/>
+                <a:lumMod val="100000"/>
+                <a:shade val="100000"/>
+              </a:schemeClr>
+            </a:gs>
+            <a:gs pos="100000">
+              <a:schemeClr val="phClr">
+                <a:lumMod val="99000"/>
+                <a:satMod val="120000"/>
+                <a:shade val="78000"/>
+              </a:schemeClr>
+            </a:gs>
+          </a:gsLst>
+          <a:lin ang="5400000" scaled="0"/>
+        </a:gradFill>
+      </a:fillStyleLst>
+      <a:lnStyleLst>
+        <a:ln w="6350" cap="flat" cmpd="sng" algn="ctr">
+          <a:solidFill>
+            <a:schemeClr val="phClr"/>
+          </a:solidFill>
+          <a:prstDash val="solid"/>
+          <a:miter lim="800000"/>
+        </a:ln>
+        <a:ln w="12700" cap="flat" cmpd="sng" algn="ctr">
+          <a:solidFill>
+            <a:schemeClr val="phClr"/>
+          </a:solidFill>
+          <a:prstDash val="solid"/>
+          <a:miter lim="800000"/>
+        </a:ln>
+        <a:ln w="19050" cap="flat" cmpd="sng" algn="ctr">
+          <a:solidFill>
+            <a:schemeClr val="phClr"/>
+          </a:solidFill>
+          <a:prstDash val="solid"/>
+          <a:miter lim="800000"/>
+        </a:ln>
+      </a:lnStyleLst>
+      <a:effectStyleLst>
+        <a:effectStyle>
+          <a:effectLst/>
+        </a:effectStyle>
+        <a:effectStyle>
+          <a:effectLst/>
+        </a:effectStyle>
+        <a:effectStyle>
+          <a:effectLst>
+            <a:outerShdw blurRad="57150" dist="19050" dir="5400000" algn="ctr" rotWithShape="0">
+              <a:srgbClr val="000000">
+                <a:alpha val="63000"/>
+              </a:srgbClr>
+            </a:outerShdw>
+          </a:effectLst>
+        </a:effectStyle>
+      </a:effectStyleLst>
+      <a:bgFillStyleLst>
+        <a:solidFill>
+          <a:schemeClr val="phClr"/>
+        </a:solidFill>
+        <a:solidFill>
+          <a:schemeClr val="phClr">
+            <a:tint val="95000"/>
+            <a:satMod val="170000"/>
+          </a:schemeClr>
+        </a:solidFill>
+        <a:gradFill rotWithShape="1">
+          <a:gsLst>
+            <a:gs pos="0">
+              <a:schemeClr val="phClr">
+                <a:tint val="93000"/>
+                <a:satMod val="150000"/>
+                <a:shade val="98000"/>
+                <a:lumMod val="102000"/>
+              </a:schemeClr>
+            </a:gs>
+            <a:gs pos="50000">
+              <a:schemeClr val="phClr">
+                <a:tint val="98000"/>
+                <a:satMod val="130000"/>
+                <a:shade val="90000"/>
+                <a:lumMod val="103000"/>
+              </a:schemeClr>
+            </a:gs>
+            <a:gs pos="100000">
+              <a:schemeClr val="phClr">
+                <a:shade val="63000"/>
+                <a:satMod val="120000"/>
+              </a:schemeClr>
+            </a:gs>
+          </a:gsLst>
+          <a:lin ang="5400000" scaled="0"/>
+        </a:gradFill>
+      </a:bgFillStyleLst>
+    </a:fmtScheme>
+  </a:themeElements>
+  <a:objectDefaults/>
+  <a:extraClrSchemeLst/>
+  <a:extLst>
+    <a:ext uri="{05A4C25C-085E-4340-85A3-A5531E510DB2}">
+      <thm15:themeFamily xmlns:thm15="http://schemas.microsoft.com/office/thememl/2012/main" name="Office Theme" id="{62F939B6-93AF-4DB8-9C6B-D6C7DFDC589F}" vid="{4A3C46E8-61CC-4603-A589-7422A47A8E4A}"/>
+    </a:ext>
+  </a:extLst>
+</a:theme>
 </file>